--- a/Compte rendu individuel/Benjamin/CR_partiel_boutrois.pptx
+++ b/Compte rendu individuel/Benjamin/CR_partiel_boutrois.pptx
@@ -2,12 +2,13 @@
 <file path=ppt/presentation.xml><?xml version="1.0" encoding="utf-8"?>
 <p:presentation xmlns:a="http://schemas.openxmlformats.org/drawingml/2006/main" xmlns:r="http://schemas.openxmlformats.org/officeDocument/2006/relationships" xmlns:p="http://schemas.openxmlformats.org/presentationml/2006/main" saveSubsetFonts="1">
   <p:sldMasterIdLst>
-    <p:sldMasterId id="2147483648" r:id="rId1"/>
+    <p:sldMasterId id="2147483660" r:id="rId1"/>
   </p:sldMasterIdLst>
   <p:sldIdLst>
-    <p:sldId id="257" r:id="rId2"/>
-    <p:sldId id="259" r:id="rId3"/>
-    <p:sldId id="258" r:id="rId4"/>
+    <p:sldId id="260" r:id="rId2"/>
+    <p:sldId id="257" r:id="rId3"/>
+    <p:sldId id="259" r:id="rId4"/>
+    <p:sldId id="258" r:id="rId5"/>
   </p:sldIdLst>
   <p:sldSz cx="9144000" cy="6858000" type="screen4x3"/>
   <p:notesSz cx="6858000" cy="9144000"/>
@@ -128,7 +129,7 @@
       </p:grpSpPr>
       <p:sp>
         <p:nvSpPr>
-          <p:cNvPr id="2" name="Titre 1"/>
+          <p:cNvPr id="2" name="Title 1"/>
           <p:cNvSpPr>
             <a:spLocks noGrp="1"/>
           </p:cNvSpPr>
@@ -138,25 +139,34 @@
         </p:nvSpPr>
         <p:spPr>
           <a:xfrm>
-            <a:off x="685800" y="2130425"/>
-            <a:ext cx="7772400" cy="1470025"/>
+            <a:off x="685800" y="609601"/>
+            <a:ext cx="7772400" cy="4267200"/>
           </a:xfrm>
         </p:spPr>
         <p:txBody>
-          <a:bodyPr/>
-          <a:lstStyle/>
+          <a:bodyPr anchor="b">
+            <a:noAutofit/>
+          </a:bodyPr>
+          <a:lstStyle>
+            <a:lvl1pPr>
+              <a:lnSpc>
+                <a:spcPct val="100000"/>
+              </a:lnSpc>
+              <a:defRPr sz="8000"/>
+            </a:lvl1pPr>
+          </a:lstStyle>
           <a:p>
             <a:r>
               <a:rPr lang="fr-FR" smtClean="0"/>
               <a:t>Modifiez le style du titre</a:t>
             </a:r>
-            <a:endParaRPr lang="fr-FR"/>
-          </a:p>
-        </p:txBody>
-      </p:sp>
-      <p:sp>
-        <p:nvSpPr>
-          <p:cNvPr id="3" name="Sous-titre 2"/>
+            <a:endParaRPr lang="en-US" dirty="0"/>
+          </a:p>
+        </p:txBody>
+      </p:sp>
+      <p:sp>
+        <p:nvSpPr>
+          <p:cNvPr id="3" name="Subtitle 2"/>
           <p:cNvSpPr>
             <a:spLocks noGrp="1"/>
           </p:cNvSpPr>
@@ -166,16 +176,18 @@
         </p:nvSpPr>
         <p:spPr>
           <a:xfrm>
-            <a:off x="1371600" y="3886200"/>
-            <a:ext cx="6400800" cy="1752600"/>
+            <a:off x="1371600" y="4953000"/>
+            <a:ext cx="6400800" cy="1219200"/>
           </a:xfrm>
         </p:spPr>
         <p:txBody>
-          <a:bodyPr/>
+          <a:bodyPr>
+            <a:normAutofit/>
+          </a:bodyPr>
           <a:lstStyle>
             <a:lvl1pPr marL="0" indent="0" algn="ctr">
               <a:buNone/>
-              <a:defRPr>
+              <a:defRPr sz="2400">
                 <a:solidFill>
                   <a:schemeClr val="tx1">
                     <a:tint val="75000"/>
@@ -269,13 +281,13 @@
               <a:rPr lang="fr-FR" smtClean="0"/>
               <a:t>Modifiez le style des sous-titres du masque</a:t>
             </a:r>
-            <a:endParaRPr lang="fr-FR"/>
-          </a:p>
-        </p:txBody>
-      </p:sp>
-      <p:sp>
-        <p:nvSpPr>
-          <p:cNvPr id="4" name="Espace réservé de la date 3"/>
+            <a:endParaRPr lang="en-US" dirty="0"/>
+          </a:p>
+        </p:txBody>
+      </p:sp>
+      <p:sp>
+        <p:nvSpPr>
+          <p:cNvPr id="7" name="Date Placeholder 6"/>
           <p:cNvSpPr>
             <a:spLocks noGrp="1"/>
           </p:cNvSpPr>
@@ -298,31 +310,12 @@
       </p:sp>
       <p:sp>
         <p:nvSpPr>
-          <p:cNvPr id="5" name="Espace réservé du pied de page 4"/>
-          <p:cNvSpPr>
-            <a:spLocks noGrp="1"/>
-          </p:cNvSpPr>
-          <p:nvPr>
-            <p:ph type="ftr" sz="quarter" idx="11"/>
-          </p:nvPr>
-        </p:nvSpPr>
-        <p:spPr/>
-        <p:txBody>
-          <a:bodyPr/>
-          <a:lstStyle/>
-          <a:p>
-            <a:endParaRPr lang="fr-FR"/>
-          </a:p>
-        </p:txBody>
-      </p:sp>
-      <p:sp>
-        <p:nvSpPr>
-          <p:cNvPr id="6" name="Espace réservé du numéro de diapositive 5"/>
-          <p:cNvSpPr>
-            <a:spLocks noGrp="1"/>
-          </p:cNvSpPr>
-          <p:nvPr>
-            <p:ph type="sldNum" sz="quarter" idx="12"/>
+          <p:cNvPr id="8" name="Slide Number Placeholder 7"/>
+          <p:cNvSpPr>
+            <a:spLocks noGrp="1"/>
+          </p:cNvSpPr>
+          <p:nvPr>
+            <p:ph type="sldNum" sz="quarter" idx="11"/>
           </p:nvPr>
         </p:nvSpPr>
         <p:spPr/>
@@ -338,12 +331,26 @@
           </a:p>
         </p:txBody>
       </p:sp>
+      <p:sp>
+        <p:nvSpPr>
+          <p:cNvPr id="9" name="Footer Placeholder 8"/>
+          <p:cNvSpPr>
+            <a:spLocks noGrp="1"/>
+          </p:cNvSpPr>
+          <p:nvPr>
+            <p:ph type="ftr" sz="quarter" idx="12"/>
+          </p:nvPr>
+        </p:nvSpPr>
+        <p:spPr/>
+        <p:txBody>
+          <a:bodyPr/>
+          <a:lstStyle/>
+          <a:p>
+            <a:endParaRPr lang="fr-FR"/>
+          </a:p>
+        </p:txBody>
+      </p:sp>
     </p:spTree>
-    <p:extLst>
-      <p:ext uri="{BB962C8B-B14F-4D97-AF65-F5344CB8AC3E}">
-        <p14:creationId xmlns:p14="http://schemas.microsoft.com/office/powerpoint/2010/main" val="3574350763"/>
-      </p:ext>
-    </p:extLst>
   </p:cSld>
   <p:clrMapOvr>
     <a:masterClrMapping/>
@@ -370,7 +377,7 @@
       </p:grpSpPr>
       <p:sp>
         <p:nvSpPr>
-          <p:cNvPr id="2" name="Titre 1"/>
+          <p:cNvPr id="2" name="Title 1"/>
           <p:cNvSpPr>
             <a:spLocks noGrp="1"/>
           </p:cNvSpPr>
@@ -387,13 +394,13 @@
               <a:rPr lang="fr-FR" smtClean="0"/>
               <a:t>Modifiez le style du titre</a:t>
             </a:r>
-            <a:endParaRPr lang="fr-FR"/>
-          </a:p>
-        </p:txBody>
-      </p:sp>
-      <p:sp>
-        <p:nvSpPr>
-          <p:cNvPr id="3" name="Espace réservé du texte vertical 2"/>
+            <a:endParaRPr lang="en-US" dirty="0"/>
+          </a:p>
+        </p:txBody>
+      </p:sp>
+      <p:sp>
+        <p:nvSpPr>
+          <p:cNvPr id="3" name="Vertical Text Placeholder 2"/>
           <p:cNvSpPr>
             <a:spLocks noGrp="1"/>
           </p:cNvSpPr>
@@ -439,13 +446,13 @@
               <a:rPr lang="fr-FR" smtClean="0"/>
               <a:t>Cinquième niveau</a:t>
             </a:r>
-            <a:endParaRPr lang="fr-FR"/>
-          </a:p>
-        </p:txBody>
-      </p:sp>
-      <p:sp>
-        <p:nvSpPr>
-          <p:cNvPr id="4" name="Espace réservé de la date 3"/>
+            <a:endParaRPr lang="en-US"/>
+          </a:p>
+        </p:txBody>
+      </p:sp>
+      <p:sp>
+        <p:nvSpPr>
+          <p:cNvPr id="4" name="Date Placeholder 3"/>
           <p:cNvSpPr>
             <a:spLocks noGrp="1"/>
           </p:cNvSpPr>
@@ -468,7 +475,7 @@
       </p:sp>
       <p:sp>
         <p:nvSpPr>
-          <p:cNvPr id="5" name="Espace réservé du pied de page 4"/>
+          <p:cNvPr id="5" name="Footer Placeholder 4"/>
           <p:cNvSpPr>
             <a:spLocks noGrp="1"/>
           </p:cNvSpPr>
@@ -487,7 +494,7 @@
       </p:sp>
       <p:sp>
         <p:nvSpPr>
-          <p:cNvPr id="6" name="Espace réservé du numéro de diapositive 5"/>
+          <p:cNvPr id="6" name="Slide Number Placeholder 5"/>
           <p:cNvSpPr>
             <a:spLocks noGrp="1"/>
           </p:cNvSpPr>
@@ -509,11 +516,6 @@
         </p:txBody>
       </p:sp>
     </p:spTree>
-    <p:extLst>
-      <p:ext uri="{BB962C8B-B14F-4D97-AF65-F5344CB8AC3E}">
-        <p14:creationId xmlns:p14="http://schemas.microsoft.com/office/powerpoint/2010/main" val="3778510418"/>
-      </p:ext>
-    </p:extLst>
   </p:cSld>
   <p:clrMapOvr>
     <a:masterClrMapping/>
@@ -540,7 +542,7 @@
       </p:grpSpPr>
       <p:sp>
         <p:nvSpPr>
-          <p:cNvPr id="2" name="Titre vertical 1"/>
+          <p:cNvPr id="2" name="Vertical Title 1"/>
           <p:cNvSpPr>
             <a:spLocks noGrp="1"/>
           </p:cNvSpPr>
@@ -562,13 +564,13 @@
               <a:rPr lang="fr-FR" smtClean="0"/>
               <a:t>Modifiez le style du titre</a:t>
             </a:r>
-            <a:endParaRPr lang="fr-FR"/>
-          </a:p>
-        </p:txBody>
-      </p:sp>
-      <p:sp>
-        <p:nvSpPr>
-          <p:cNvPr id="3" name="Espace réservé du texte vertical 2"/>
+            <a:endParaRPr lang="en-US" dirty="0"/>
+          </a:p>
+        </p:txBody>
+      </p:sp>
+      <p:sp>
+        <p:nvSpPr>
+          <p:cNvPr id="3" name="Vertical Text Placeholder 2"/>
           <p:cNvSpPr>
             <a:spLocks noGrp="1"/>
           </p:cNvSpPr>
@@ -619,13 +621,13 @@
               <a:rPr lang="fr-FR" smtClean="0"/>
               <a:t>Cinquième niveau</a:t>
             </a:r>
-            <a:endParaRPr lang="fr-FR"/>
-          </a:p>
-        </p:txBody>
-      </p:sp>
-      <p:sp>
-        <p:nvSpPr>
-          <p:cNvPr id="4" name="Espace réservé de la date 3"/>
+            <a:endParaRPr lang="en-US"/>
+          </a:p>
+        </p:txBody>
+      </p:sp>
+      <p:sp>
+        <p:nvSpPr>
+          <p:cNvPr id="4" name="Date Placeholder 3"/>
           <p:cNvSpPr>
             <a:spLocks noGrp="1"/>
           </p:cNvSpPr>
@@ -648,7 +650,7 @@
       </p:sp>
       <p:sp>
         <p:nvSpPr>
-          <p:cNvPr id="5" name="Espace réservé du pied de page 4"/>
+          <p:cNvPr id="5" name="Footer Placeholder 4"/>
           <p:cNvSpPr>
             <a:spLocks noGrp="1"/>
           </p:cNvSpPr>
@@ -667,7 +669,7 @@
       </p:sp>
       <p:sp>
         <p:nvSpPr>
-          <p:cNvPr id="6" name="Espace réservé du numéro de diapositive 5"/>
+          <p:cNvPr id="6" name="Slide Number Placeholder 5"/>
           <p:cNvSpPr>
             <a:spLocks noGrp="1"/>
           </p:cNvSpPr>
@@ -689,11 +691,6 @@
         </p:txBody>
       </p:sp>
     </p:spTree>
-    <p:extLst>
-      <p:ext uri="{BB962C8B-B14F-4D97-AF65-F5344CB8AC3E}">
-        <p14:creationId xmlns:p14="http://schemas.microsoft.com/office/powerpoint/2010/main" val="3767695442"/>
-      </p:ext>
-    </p:extLst>
   </p:cSld>
   <p:clrMapOvr>
     <a:masterClrMapping/>
@@ -720,7 +717,7 @@
       </p:grpSpPr>
       <p:sp>
         <p:nvSpPr>
-          <p:cNvPr id="2" name="Titre 1"/>
+          <p:cNvPr id="2" name="Title 1"/>
           <p:cNvSpPr>
             <a:spLocks noGrp="1"/>
           </p:cNvSpPr>
@@ -737,13 +734,13 @@
               <a:rPr lang="fr-FR" smtClean="0"/>
               <a:t>Modifiez le style du titre</a:t>
             </a:r>
-            <a:endParaRPr lang="fr-FR"/>
-          </a:p>
-        </p:txBody>
-      </p:sp>
-      <p:sp>
-        <p:nvSpPr>
-          <p:cNvPr id="3" name="Espace réservé du contenu 2"/>
+            <a:endParaRPr lang="en-US" dirty="0"/>
+          </a:p>
+        </p:txBody>
+      </p:sp>
+      <p:sp>
+        <p:nvSpPr>
+          <p:cNvPr id="3" name="Content Placeholder 2"/>
           <p:cNvSpPr>
             <a:spLocks noGrp="1"/>
           </p:cNvSpPr>
@@ -754,7 +751,25 @@
         <p:spPr/>
         <p:txBody>
           <a:bodyPr/>
-          <a:lstStyle/>
+          <a:lstStyle>
+            <a:lvl5pPr>
+              <a:defRPr/>
+            </a:lvl5pPr>
+            <a:lvl6pPr>
+              <a:defRPr/>
+            </a:lvl6pPr>
+            <a:lvl7pPr>
+              <a:defRPr/>
+            </a:lvl7pPr>
+            <a:lvl8pPr>
+              <a:defRPr/>
+            </a:lvl8pPr>
+            <a:lvl9pPr>
+              <a:buFont typeface="Arial" pitchFamily="34" charset="0"/>
+              <a:buChar char="•"/>
+              <a:defRPr/>
+            </a:lvl9pPr>
+          </a:lstStyle>
           <a:p>
             <a:pPr lvl="0"/>
             <a:r>
@@ -789,13 +804,13 @@
               <a:rPr lang="fr-FR" smtClean="0"/>
               <a:t>Cinquième niveau</a:t>
             </a:r>
-            <a:endParaRPr lang="fr-FR"/>
-          </a:p>
-        </p:txBody>
-      </p:sp>
-      <p:sp>
-        <p:nvSpPr>
-          <p:cNvPr id="4" name="Espace réservé de la date 3"/>
+            <a:endParaRPr lang="en-US" dirty="0" smtClean="0"/>
+          </a:p>
+        </p:txBody>
+      </p:sp>
+      <p:sp>
+        <p:nvSpPr>
+          <p:cNvPr id="4" name="Date Placeholder 3"/>
           <p:cNvSpPr>
             <a:spLocks noGrp="1"/>
           </p:cNvSpPr>
@@ -818,7 +833,7 @@
       </p:sp>
       <p:sp>
         <p:nvSpPr>
-          <p:cNvPr id="5" name="Espace réservé du pied de page 4"/>
+          <p:cNvPr id="5" name="Footer Placeholder 4"/>
           <p:cNvSpPr>
             <a:spLocks noGrp="1"/>
           </p:cNvSpPr>
@@ -837,7 +852,7 @@
       </p:sp>
       <p:sp>
         <p:nvSpPr>
-          <p:cNvPr id="6" name="Espace réservé du numéro de diapositive 5"/>
+          <p:cNvPr id="6" name="Slide Number Placeholder 5"/>
           <p:cNvSpPr>
             <a:spLocks noGrp="1"/>
           </p:cNvSpPr>
@@ -859,11 +874,6 @@
         </p:txBody>
       </p:sp>
     </p:spTree>
-    <p:extLst>
-      <p:ext uri="{BB962C8B-B14F-4D97-AF65-F5344CB8AC3E}">
-        <p14:creationId xmlns:p14="http://schemas.microsoft.com/office/powerpoint/2010/main" val="1166793171"/>
-      </p:ext>
-    </p:extLst>
   </p:cSld>
   <p:clrMapOvr>
     <a:masterClrMapping/>
@@ -890,7 +900,7 @@
       </p:grpSpPr>
       <p:sp>
         <p:nvSpPr>
-          <p:cNvPr id="2" name="Titre 1"/>
+          <p:cNvPr id="2" name="Title 1"/>
           <p:cNvSpPr>
             <a:spLocks noGrp="1"/>
           </p:cNvSpPr>
@@ -900,46 +910,67 @@
         </p:nvSpPr>
         <p:spPr>
           <a:xfrm>
-            <a:off x="722313" y="4406900"/>
-            <a:ext cx="7772400" cy="1362075"/>
+            <a:off x="722313" y="1371600"/>
+            <a:ext cx="7772400" cy="2505075"/>
           </a:xfrm>
         </p:spPr>
         <p:txBody>
+          <a:bodyPr anchor="b"/>
+          <a:lstStyle>
+            <a:lvl1pPr algn="ctr" defTabSz="914400" rtl="0" eaLnBrk="1" latinLnBrk="0" hangingPunct="1">
+              <a:lnSpc>
+                <a:spcPct val="100000"/>
+              </a:lnSpc>
+              <a:spcBef>
+                <a:spcPct val="0"/>
+              </a:spcBef>
+              <a:buNone/>
+              <a:defRPr lang="en-US" sz="4800" kern="1200" dirty="0" smtClean="0">
+                <a:solidFill>
+                  <a:schemeClr val="tx2"/>
+                </a:solidFill>
+                <a:effectLst>
+                  <a:outerShdw blurRad="63500" dist="38100" dir="5400000" algn="t" rotWithShape="0">
+                    <a:prstClr val="black">
+                      <a:alpha val="25000"/>
+                    </a:prstClr>
+                  </a:outerShdw>
+                </a:effectLst>
+                <a:latin typeface="+mn-lt"/>
+                <a:ea typeface="+mj-ea"/>
+                <a:cs typeface="+mj-cs"/>
+              </a:defRPr>
+            </a:lvl1pPr>
+          </a:lstStyle>
+          <a:p>
+            <a:r>
+              <a:rPr lang="fr-FR" smtClean="0"/>
+              <a:t>Modifiez le style du titre</a:t>
+            </a:r>
+            <a:endParaRPr lang="en-US" dirty="0"/>
+          </a:p>
+        </p:txBody>
+      </p:sp>
+      <p:sp>
+        <p:nvSpPr>
+          <p:cNvPr id="3" name="Text Placeholder 2"/>
+          <p:cNvSpPr>
+            <a:spLocks noGrp="1"/>
+          </p:cNvSpPr>
+          <p:nvPr>
+            <p:ph type="body" idx="1"/>
+          </p:nvPr>
+        </p:nvSpPr>
+        <p:spPr>
+          <a:xfrm>
+            <a:off x="722313" y="4068763"/>
+            <a:ext cx="7772400" cy="1131887"/>
+          </a:xfrm>
+        </p:spPr>
+        <p:txBody>
           <a:bodyPr anchor="t"/>
           <a:lstStyle>
-            <a:lvl1pPr algn="l">
-              <a:defRPr sz="4000" b="1" cap="all"/>
-            </a:lvl1pPr>
-          </a:lstStyle>
-          <a:p>
-            <a:r>
-              <a:rPr lang="fr-FR" smtClean="0"/>
-              <a:t>Modifiez le style du titre</a:t>
-            </a:r>
-            <a:endParaRPr lang="fr-FR"/>
-          </a:p>
-        </p:txBody>
-      </p:sp>
-      <p:sp>
-        <p:nvSpPr>
-          <p:cNvPr id="3" name="Espace réservé du texte 2"/>
-          <p:cNvSpPr>
-            <a:spLocks noGrp="1"/>
-          </p:cNvSpPr>
-          <p:nvPr>
-            <p:ph type="body" idx="1"/>
-          </p:nvPr>
-        </p:nvSpPr>
-        <p:spPr>
-          <a:xfrm>
-            <a:off x="722313" y="2906713"/>
-            <a:ext cx="7772400" cy="1500187"/>
-          </a:xfrm>
-        </p:spPr>
-        <p:txBody>
-          <a:bodyPr anchor="b"/>
-          <a:lstStyle>
-            <a:lvl1pPr marL="0" indent="0">
+            <a:lvl1pPr marL="0" indent="0" algn="ctr">
               <a:buNone/>
               <a:defRPr sz="2000">
                 <a:solidFill>
@@ -1041,7 +1072,7 @@
       </p:sp>
       <p:sp>
         <p:nvSpPr>
-          <p:cNvPr id="4" name="Espace réservé de la date 3"/>
+          <p:cNvPr id="4" name="Date Placeholder 3"/>
           <p:cNvSpPr>
             <a:spLocks noGrp="1"/>
           </p:cNvSpPr>
@@ -1064,7 +1095,7 @@
       </p:sp>
       <p:sp>
         <p:nvSpPr>
-          <p:cNvPr id="5" name="Espace réservé du pied de page 4"/>
+          <p:cNvPr id="5" name="Footer Placeholder 4"/>
           <p:cNvSpPr>
             <a:spLocks noGrp="1"/>
           </p:cNvSpPr>
@@ -1083,7 +1114,7 @@
       </p:sp>
       <p:sp>
         <p:nvSpPr>
-          <p:cNvPr id="6" name="Espace réservé du numéro de diapositive 5"/>
+          <p:cNvPr id="6" name="Slide Number Placeholder 5"/>
           <p:cNvSpPr>
             <a:spLocks noGrp="1"/>
           </p:cNvSpPr>
@@ -1104,12 +1135,157 @@
           </a:p>
         </p:txBody>
       </p:sp>
+      <p:sp>
+        <p:nvSpPr>
+          <p:cNvPr id="7" name="Oval 6"/>
+          <p:cNvSpPr/>
+          <p:nvPr/>
+        </p:nvSpPr>
+        <p:spPr>
+          <a:xfrm>
+            <a:off x="4495800" y="3924300"/>
+            <a:ext cx="84772" cy="84772"/>
+          </a:xfrm>
+          <a:prstGeom prst="ellipse">
+            <a:avLst/>
+          </a:prstGeom>
+          <a:solidFill>
+            <a:schemeClr val="tx1">
+              <a:lumMod val="50000"/>
+              <a:lumOff val="50000"/>
+            </a:schemeClr>
+          </a:solidFill>
+          <a:ln w="12700">
+            <a:noFill/>
+          </a:ln>
+          <a:effectLst/>
+        </p:spPr>
+        <p:style>
+          <a:lnRef idx="2">
+            <a:schemeClr val="accent1">
+              <a:shade val="50000"/>
+            </a:schemeClr>
+          </a:lnRef>
+          <a:fillRef idx="1">
+            <a:schemeClr val="accent1"/>
+          </a:fillRef>
+          <a:effectRef idx="0">
+            <a:schemeClr val="accent1"/>
+          </a:effectRef>
+          <a:fontRef idx="minor">
+            <a:schemeClr val="lt1"/>
+          </a:fontRef>
+        </p:style>
+        <p:txBody>
+          <a:bodyPr rtlCol="0" anchor="ctr"/>
+          <a:lstStyle/>
+          <a:p>
+            <a:pPr algn="ctr"/>
+            <a:endParaRPr lang="en-US"/>
+          </a:p>
+        </p:txBody>
+      </p:sp>
+      <p:sp>
+        <p:nvSpPr>
+          <p:cNvPr id="8" name="Oval 7"/>
+          <p:cNvSpPr/>
+          <p:nvPr/>
+        </p:nvSpPr>
+        <p:spPr>
+          <a:xfrm>
+            <a:off x="4695825" y="3924300"/>
+            <a:ext cx="84772" cy="84772"/>
+          </a:xfrm>
+          <a:prstGeom prst="ellipse">
+            <a:avLst/>
+          </a:prstGeom>
+          <a:solidFill>
+            <a:schemeClr val="tx1">
+              <a:lumMod val="50000"/>
+              <a:lumOff val="50000"/>
+            </a:schemeClr>
+          </a:solidFill>
+          <a:ln w="12700">
+            <a:noFill/>
+          </a:ln>
+          <a:effectLst/>
+        </p:spPr>
+        <p:style>
+          <a:lnRef idx="2">
+            <a:schemeClr val="accent1">
+              <a:shade val="50000"/>
+            </a:schemeClr>
+          </a:lnRef>
+          <a:fillRef idx="1">
+            <a:schemeClr val="accent1"/>
+          </a:fillRef>
+          <a:effectRef idx="0">
+            <a:schemeClr val="accent1"/>
+          </a:effectRef>
+          <a:fontRef idx="minor">
+            <a:schemeClr val="lt1"/>
+          </a:fontRef>
+        </p:style>
+        <p:txBody>
+          <a:bodyPr rtlCol="0" anchor="ctr"/>
+          <a:lstStyle/>
+          <a:p>
+            <a:pPr algn="ctr"/>
+            <a:endParaRPr lang="en-US"/>
+          </a:p>
+        </p:txBody>
+      </p:sp>
+      <p:sp>
+        <p:nvSpPr>
+          <p:cNvPr id="9" name="Oval 8"/>
+          <p:cNvSpPr/>
+          <p:nvPr/>
+        </p:nvSpPr>
+        <p:spPr>
+          <a:xfrm>
+            <a:off x="4296728" y="3924300"/>
+            <a:ext cx="84772" cy="84772"/>
+          </a:xfrm>
+          <a:prstGeom prst="ellipse">
+            <a:avLst/>
+          </a:prstGeom>
+          <a:solidFill>
+            <a:schemeClr val="tx1">
+              <a:lumMod val="50000"/>
+              <a:lumOff val="50000"/>
+            </a:schemeClr>
+          </a:solidFill>
+          <a:ln w="12700">
+            <a:noFill/>
+          </a:ln>
+          <a:effectLst/>
+        </p:spPr>
+        <p:style>
+          <a:lnRef idx="2">
+            <a:schemeClr val="accent1">
+              <a:shade val="50000"/>
+            </a:schemeClr>
+          </a:lnRef>
+          <a:fillRef idx="1">
+            <a:schemeClr val="accent1"/>
+          </a:fillRef>
+          <a:effectRef idx="0">
+            <a:schemeClr val="accent1"/>
+          </a:effectRef>
+          <a:fontRef idx="minor">
+            <a:schemeClr val="lt1"/>
+          </a:fontRef>
+        </p:style>
+        <p:txBody>
+          <a:bodyPr rtlCol="0" anchor="ctr"/>
+          <a:lstStyle/>
+          <a:p>
+            <a:pPr algn="ctr"/>
+            <a:endParaRPr lang="en-US"/>
+          </a:p>
+        </p:txBody>
+      </p:sp>
     </p:spTree>
-    <p:extLst>
-      <p:ext uri="{BB962C8B-B14F-4D97-AF65-F5344CB8AC3E}">
-        <p14:creationId xmlns:p14="http://schemas.microsoft.com/office/powerpoint/2010/main" val="427721353"/>
-      </p:ext>
-    </p:extLst>
   </p:cSld>
   <p:clrMapOvr>
     <a:masterClrMapping/>
@@ -1136,7 +1312,7 @@
       </p:grpSpPr>
       <p:sp>
         <p:nvSpPr>
-          <p:cNvPr id="2" name="Titre 1"/>
+          <p:cNvPr id="2" name="Title 1"/>
           <p:cNvSpPr>
             <a:spLocks noGrp="1"/>
           </p:cNvSpPr>
@@ -1153,98 +1329,13 @@
               <a:rPr lang="fr-FR" smtClean="0"/>
               <a:t>Modifiez le style du titre</a:t>
             </a:r>
-            <a:endParaRPr lang="fr-FR"/>
-          </a:p>
-        </p:txBody>
-      </p:sp>
-      <p:sp>
-        <p:nvSpPr>
-          <p:cNvPr id="3" name="Espace réservé du contenu 2"/>
-          <p:cNvSpPr>
-            <a:spLocks noGrp="1"/>
-          </p:cNvSpPr>
-          <p:nvPr>
-            <p:ph sz="half" idx="1"/>
-          </p:nvPr>
-        </p:nvSpPr>
-        <p:spPr>
-          <a:xfrm>
-            <a:off x="457200" y="1600200"/>
-            <a:ext cx="4038600" cy="4525963"/>
-          </a:xfrm>
-        </p:spPr>
-        <p:txBody>
-          <a:bodyPr/>
-          <a:lstStyle>
-            <a:lvl1pPr>
-              <a:defRPr sz="2800"/>
-            </a:lvl1pPr>
-            <a:lvl2pPr>
-              <a:defRPr sz="2400"/>
-            </a:lvl2pPr>
-            <a:lvl3pPr>
-              <a:defRPr sz="2000"/>
-            </a:lvl3pPr>
-            <a:lvl4pPr>
-              <a:defRPr sz="1800"/>
-            </a:lvl4pPr>
-            <a:lvl5pPr>
-              <a:defRPr sz="1800"/>
-            </a:lvl5pPr>
-            <a:lvl6pPr>
-              <a:defRPr sz="1800"/>
-            </a:lvl6pPr>
-            <a:lvl7pPr>
-              <a:defRPr sz="1800"/>
-            </a:lvl7pPr>
-            <a:lvl8pPr>
-              <a:defRPr sz="1800"/>
-            </a:lvl8pPr>
-            <a:lvl9pPr>
-              <a:defRPr sz="1800"/>
-            </a:lvl9pPr>
-          </a:lstStyle>
-          <a:p>
-            <a:pPr lvl="0"/>
-            <a:r>
-              <a:rPr lang="fr-FR" smtClean="0"/>
-              <a:t>Modifiez les styles du texte du masque</a:t>
-            </a:r>
-          </a:p>
-          <a:p>
-            <a:pPr lvl="1"/>
-            <a:r>
-              <a:rPr lang="fr-FR" smtClean="0"/>
-              <a:t>Deuxième niveau</a:t>
-            </a:r>
-          </a:p>
-          <a:p>
-            <a:pPr lvl="2"/>
-            <a:r>
-              <a:rPr lang="fr-FR" smtClean="0"/>
-              <a:t>Troisième niveau</a:t>
-            </a:r>
-          </a:p>
-          <a:p>
-            <a:pPr lvl="3"/>
-            <a:r>
-              <a:rPr lang="fr-FR" smtClean="0"/>
-              <a:t>Quatrième niveau</a:t>
-            </a:r>
-          </a:p>
-          <a:p>
-            <a:pPr lvl="4"/>
-            <a:r>
-              <a:rPr lang="fr-FR" smtClean="0"/>
-              <a:t>Cinquième niveau</a:t>
-            </a:r>
-            <a:endParaRPr lang="fr-FR"/>
-          </a:p>
-        </p:txBody>
-      </p:sp>
-      <p:sp>
-        <p:nvSpPr>
-          <p:cNvPr id="4" name="Espace réservé du contenu 3"/>
+            <a:endParaRPr lang="en-US"/>
+          </a:p>
+        </p:txBody>
+      </p:sp>
+      <p:sp>
+        <p:nvSpPr>
+          <p:cNvPr id="4" name="Content Placeholder 3"/>
           <p:cNvSpPr>
             <a:spLocks noGrp="1"/>
           </p:cNvSpPr>
@@ -1262,31 +1353,31 @@
           <a:bodyPr/>
           <a:lstStyle>
             <a:lvl1pPr>
-              <a:defRPr sz="2800"/>
+              <a:defRPr sz="2400"/>
             </a:lvl1pPr>
             <a:lvl2pPr>
-              <a:defRPr sz="2400"/>
+              <a:defRPr sz="1600"/>
             </a:lvl2pPr>
             <a:lvl3pPr>
-              <a:defRPr sz="2000"/>
+              <a:defRPr sz="1600"/>
             </a:lvl3pPr>
             <a:lvl4pPr>
-              <a:defRPr sz="1800"/>
+              <a:defRPr sz="1600"/>
             </a:lvl4pPr>
             <a:lvl5pPr>
-              <a:defRPr sz="1800"/>
+              <a:defRPr sz="1600"/>
             </a:lvl5pPr>
             <a:lvl6pPr>
-              <a:defRPr sz="1800"/>
+              <a:defRPr sz="1600"/>
             </a:lvl6pPr>
             <a:lvl7pPr>
-              <a:defRPr sz="1800"/>
+              <a:defRPr sz="1600"/>
             </a:lvl7pPr>
             <a:lvl8pPr>
-              <a:defRPr sz="1800"/>
+              <a:defRPr sz="1600"/>
             </a:lvl8pPr>
             <a:lvl9pPr>
-              <a:defRPr sz="1800"/>
+              <a:defRPr sz="1600"/>
             </a:lvl9pPr>
           </a:lstStyle>
           <a:p>
@@ -1323,13 +1414,13 @@
               <a:rPr lang="fr-FR" smtClean="0"/>
               <a:t>Cinquième niveau</a:t>
             </a:r>
-            <a:endParaRPr lang="fr-FR"/>
-          </a:p>
-        </p:txBody>
-      </p:sp>
-      <p:sp>
-        <p:nvSpPr>
-          <p:cNvPr id="5" name="Espace réservé de la date 4"/>
+            <a:endParaRPr lang="en-US" dirty="0" smtClean="0"/>
+          </a:p>
+        </p:txBody>
+      </p:sp>
+      <p:sp>
+        <p:nvSpPr>
+          <p:cNvPr id="5" name="Date Placeholder 4"/>
           <p:cNvSpPr>
             <a:spLocks noGrp="1"/>
           </p:cNvSpPr>
@@ -1352,7 +1443,7 @@
       </p:sp>
       <p:sp>
         <p:nvSpPr>
-          <p:cNvPr id="6" name="Espace réservé du pied de page 5"/>
+          <p:cNvPr id="6" name="Footer Placeholder 5"/>
           <p:cNvSpPr>
             <a:spLocks noGrp="1"/>
           </p:cNvSpPr>
@@ -1371,7 +1462,7 @@
       </p:sp>
       <p:sp>
         <p:nvSpPr>
-          <p:cNvPr id="7" name="Espace réservé du numéro de diapositive 6"/>
+          <p:cNvPr id="7" name="Slide Number Placeholder 6"/>
           <p:cNvSpPr>
             <a:spLocks noGrp="1"/>
           </p:cNvSpPr>
@@ -1392,12 +1483,64 @@
           </a:p>
         </p:txBody>
       </p:sp>
+      <p:sp>
+        <p:nvSpPr>
+          <p:cNvPr id="9" name="Content Placeholder 8"/>
+          <p:cNvSpPr>
+            <a:spLocks noGrp="1"/>
+          </p:cNvSpPr>
+          <p:nvPr>
+            <p:ph sz="quarter" idx="13"/>
+          </p:nvPr>
+        </p:nvSpPr>
+        <p:spPr>
+          <a:xfrm>
+            <a:off x="365760" y="1600200"/>
+            <a:ext cx="4041648" cy="4526280"/>
+          </a:xfrm>
+        </p:spPr>
+        <p:txBody>
+          <a:bodyPr/>
+          <a:lstStyle/>
+          <a:p>
+            <a:pPr lvl="0"/>
+            <a:r>
+              <a:rPr lang="fr-FR" smtClean="0"/>
+              <a:t>Modifiez les styles du texte du masque</a:t>
+            </a:r>
+          </a:p>
+          <a:p>
+            <a:pPr lvl="1"/>
+            <a:r>
+              <a:rPr lang="fr-FR" smtClean="0"/>
+              <a:t>Deuxième niveau</a:t>
+            </a:r>
+          </a:p>
+          <a:p>
+            <a:pPr lvl="2"/>
+            <a:r>
+              <a:rPr lang="fr-FR" smtClean="0"/>
+              <a:t>Troisième niveau</a:t>
+            </a:r>
+          </a:p>
+          <a:p>
+            <a:pPr lvl="3"/>
+            <a:r>
+              <a:rPr lang="fr-FR" smtClean="0"/>
+              <a:t>Quatrième niveau</a:t>
+            </a:r>
+          </a:p>
+          <a:p>
+            <a:pPr lvl="4"/>
+            <a:r>
+              <a:rPr lang="fr-FR" smtClean="0"/>
+              <a:t>Cinquième niveau</a:t>
+            </a:r>
+            <a:endParaRPr lang="en-US"/>
+          </a:p>
+        </p:txBody>
+      </p:sp>
     </p:spTree>
-    <p:extLst>
-      <p:ext uri="{BB962C8B-B14F-4D97-AF65-F5344CB8AC3E}">
-        <p14:creationId xmlns:p14="http://schemas.microsoft.com/office/powerpoint/2010/main" val="63595701"/>
-      </p:ext>
-    </p:extLst>
   </p:cSld>
   <p:clrMapOvr>
     <a:masterClrMapping/>
@@ -1424,7 +1567,7 @@
       </p:grpSpPr>
       <p:sp>
         <p:nvSpPr>
-          <p:cNvPr id="2" name="Titre 1"/>
+          <p:cNvPr id="2" name="Title 1"/>
           <p:cNvSpPr>
             <a:spLocks noGrp="1"/>
           </p:cNvSpPr>
@@ -1445,13 +1588,13 @@
               <a:rPr lang="fr-FR" smtClean="0"/>
               <a:t>Modifiez le style du titre</a:t>
             </a:r>
-            <a:endParaRPr lang="fr-FR"/>
-          </a:p>
-        </p:txBody>
-      </p:sp>
-      <p:sp>
-        <p:nvSpPr>
-          <p:cNvPr id="3" name="Espace réservé du texte 2"/>
+            <a:endParaRPr lang="en-US"/>
+          </a:p>
+        </p:txBody>
+      </p:sp>
+      <p:sp>
+        <p:nvSpPr>
+          <p:cNvPr id="3" name="Text Placeholder 2"/>
           <p:cNvSpPr>
             <a:spLocks noGrp="1"/>
           </p:cNvSpPr>
@@ -1461,16 +1604,18 @@
         </p:nvSpPr>
         <p:spPr>
           <a:xfrm>
-            <a:off x="457200" y="1535113"/>
-            <a:ext cx="4040188" cy="639762"/>
+            <a:off x="457200" y="1600200"/>
+            <a:ext cx="4040188" cy="609600"/>
           </a:xfrm>
         </p:spPr>
         <p:txBody>
-          <a:bodyPr anchor="b"/>
+          <a:bodyPr anchor="b">
+            <a:noAutofit/>
+          </a:bodyPr>
           <a:lstStyle>
-            <a:lvl1pPr marL="0" indent="0">
-              <a:buNone/>
-              <a:defRPr sz="2400" b="1"/>
+            <a:lvl1pPr marL="0" indent="0" algn="ctr">
+              <a:buNone/>
+              <a:defRPr sz="2400" b="0"/>
             </a:lvl1pPr>
             <a:lvl2pPr marL="457200" indent="0">
               <a:buNone/>
@@ -1516,111 +1661,28 @@
       </p:sp>
       <p:sp>
         <p:nvSpPr>
-          <p:cNvPr id="4" name="Espace réservé du contenu 3"/>
-          <p:cNvSpPr>
-            <a:spLocks noGrp="1"/>
-          </p:cNvSpPr>
-          <p:nvPr>
-            <p:ph sz="half" idx="2"/>
+          <p:cNvPr id="5" name="Text Placeholder 4"/>
+          <p:cNvSpPr>
+            <a:spLocks noGrp="1"/>
+          </p:cNvSpPr>
+          <p:nvPr>
+            <p:ph type="body" sz="quarter" idx="3"/>
           </p:nvPr>
         </p:nvSpPr>
         <p:spPr>
           <a:xfrm>
-            <a:off x="457200" y="2174875"/>
-            <a:ext cx="4040188" cy="3951288"/>
+            <a:off x="4648200" y="1600200"/>
+            <a:ext cx="4041775" cy="609600"/>
           </a:xfrm>
         </p:spPr>
         <p:txBody>
-          <a:bodyPr/>
+          <a:bodyPr anchor="b">
+            <a:noAutofit/>
+          </a:bodyPr>
           <a:lstStyle>
-            <a:lvl1pPr>
-              <a:defRPr sz="2400"/>
-            </a:lvl1pPr>
-            <a:lvl2pPr>
-              <a:defRPr sz="2000"/>
-            </a:lvl2pPr>
-            <a:lvl3pPr>
-              <a:defRPr sz="1800"/>
-            </a:lvl3pPr>
-            <a:lvl4pPr>
-              <a:defRPr sz="1600"/>
-            </a:lvl4pPr>
-            <a:lvl5pPr>
-              <a:defRPr sz="1600"/>
-            </a:lvl5pPr>
-            <a:lvl6pPr>
-              <a:defRPr sz="1600"/>
-            </a:lvl6pPr>
-            <a:lvl7pPr>
-              <a:defRPr sz="1600"/>
-            </a:lvl7pPr>
-            <a:lvl8pPr>
-              <a:defRPr sz="1600"/>
-            </a:lvl8pPr>
-            <a:lvl9pPr>
-              <a:defRPr sz="1600"/>
-            </a:lvl9pPr>
-          </a:lstStyle>
-          <a:p>
-            <a:pPr lvl="0"/>
-            <a:r>
-              <a:rPr lang="fr-FR" smtClean="0"/>
-              <a:t>Modifiez les styles du texte du masque</a:t>
-            </a:r>
-          </a:p>
-          <a:p>
-            <a:pPr lvl="1"/>
-            <a:r>
-              <a:rPr lang="fr-FR" smtClean="0"/>
-              <a:t>Deuxième niveau</a:t>
-            </a:r>
-          </a:p>
-          <a:p>
-            <a:pPr lvl="2"/>
-            <a:r>
-              <a:rPr lang="fr-FR" smtClean="0"/>
-              <a:t>Troisième niveau</a:t>
-            </a:r>
-          </a:p>
-          <a:p>
-            <a:pPr lvl="3"/>
-            <a:r>
-              <a:rPr lang="fr-FR" smtClean="0"/>
-              <a:t>Quatrième niveau</a:t>
-            </a:r>
-          </a:p>
-          <a:p>
-            <a:pPr lvl="4"/>
-            <a:r>
-              <a:rPr lang="fr-FR" smtClean="0"/>
-              <a:t>Cinquième niveau</a:t>
-            </a:r>
-            <a:endParaRPr lang="fr-FR"/>
-          </a:p>
-        </p:txBody>
-      </p:sp>
-      <p:sp>
-        <p:nvSpPr>
-          <p:cNvPr id="5" name="Espace réservé du texte 4"/>
-          <p:cNvSpPr>
-            <a:spLocks noGrp="1"/>
-          </p:cNvSpPr>
-          <p:nvPr>
-            <p:ph type="body" sz="quarter" idx="3"/>
-          </p:nvPr>
-        </p:nvSpPr>
-        <p:spPr>
-          <a:xfrm>
-            <a:off x="4645025" y="1535113"/>
-            <a:ext cx="4041775" cy="639762"/>
-          </a:xfrm>
-        </p:spPr>
-        <p:txBody>
-          <a:bodyPr anchor="b"/>
-          <a:lstStyle>
-            <a:lvl1pPr marL="0" indent="0">
-              <a:buNone/>
-              <a:defRPr sz="2400" b="1"/>
+            <a:lvl1pPr marL="0" indent="0" algn="ctr">
+              <a:buNone/>
+              <a:defRPr sz="2400" b="0"/>
             </a:lvl1pPr>
             <a:lvl2pPr marL="457200" indent="0">
               <a:buNone/>
@@ -1666,92 +1728,7 @@
       </p:sp>
       <p:sp>
         <p:nvSpPr>
-          <p:cNvPr id="6" name="Espace réservé du contenu 5"/>
-          <p:cNvSpPr>
-            <a:spLocks noGrp="1"/>
-          </p:cNvSpPr>
-          <p:nvPr>
-            <p:ph sz="quarter" idx="4"/>
-          </p:nvPr>
-        </p:nvSpPr>
-        <p:spPr>
-          <a:xfrm>
-            <a:off x="4645025" y="2174875"/>
-            <a:ext cx="4041775" cy="3951288"/>
-          </a:xfrm>
-        </p:spPr>
-        <p:txBody>
-          <a:bodyPr/>
-          <a:lstStyle>
-            <a:lvl1pPr>
-              <a:defRPr sz="2400"/>
-            </a:lvl1pPr>
-            <a:lvl2pPr>
-              <a:defRPr sz="2000"/>
-            </a:lvl2pPr>
-            <a:lvl3pPr>
-              <a:defRPr sz="1800"/>
-            </a:lvl3pPr>
-            <a:lvl4pPr>
-              <a:defRPr sz="1600"/>
-            </a:lvl4pPr>
-            <a:lvl5pPr>
-              <a:defRPr sz="1600"/>
-            </a:lvl5pPr>
-            <a:lvl6pPr>
-              <a:defRPr sz="1600"/>
-            </a:lvl6pPr>
-            <a:lvl7pPr>
-              <a:defRPr sz="1600"/>
-            </a:lvl7pPr>
-            <a:lvl8pPr>
-              <a:defRPr sz="1600"/>
-            </a:lvl8pPr>
-            <a:lvl9pPr>
-              <a:defRPr sz="1600"/>
-            </a:lvl9pPr>
-          </a:lstStyle>
-          <a:p>
-            <a:pPr lvl="0"/>
-            <a:r>
-              <a:rPr lang="fr-FR" smtClean="0"/>
-              <a:t>Modifiez les styles du texte du masque</a:t>
-            </a:r>
-          </a:p>
-          <a:p>
-            <a:pPr lvl="1"/>
-            <a:r>
-              <a:rPr lang="fr-FR" smtClean="0"/>
-              <a:t>Deuxième niveau</a:t>
-            </a:r>
-          </a:p>
-          <a:p>
-            <a:pPr lvl="2"/>
-            <a:r>
-              <a:rPr lang="fr-FR" smtClean="0"/>
-              <a:t>Troisième niveau</a:t>
-            </a:r>
-          </a:p>
-          <a:p>
-            <a:pPr lvl="3"/>
-            <a:r>
-              <a:rPr lang="fr-FR" smtClean="0"/>
-              <a:t>Quatrième niveau</a:t>
-            </a:r>
-          </a:p>
-          <a:p>
-            <a:pPr lvl="4"/>
-            <a:r>
-              <a:rPr lang="fr-FR" smtClean="0"/>
-              <a:t>Cinquième niveau</a:t>
-            </a:r>
-            <a:endParaRPr lang="fr-FR"/>
-          </a:p>
-        </p:txBody>
-      </p:sp>
-      <p:sp>
-        <p:nvSpPr>
-          <p:cNvPr id="7" name="Espace réservé de la date 6"/>
+          <p:cNvPr id="7" name="Date Placeholder 6"/>
           <p:cNvSpPr>
             <a:spLocks noGrp="1"/>
           </p:cNvSpPr>
@@ -1774,7 +1751,7 @@
       </p:sp>
       <p:sp>
         <p:nvSpPr>
-          <p:cNvPr id="8" name="Espace réservé du pied de page 7"/>
+          <p:cNvPr id="8" name="Footer Placeholder 7"/>
           <p:cNvSpPr>
             <a:spLocks noGrp="1"/>
           </p:cNvSpPr>
@@ -1793,7 +1770,7 @@
       </p:sp>
       <p:sp>
         <p:nvSpPr>
-          <p:cNvPr id="9" name="Espace réservé du numéro de diapositive 8"/>
+          <p:cNvPr id="9" name="Slide Number Placeholder 8"/>
           <p:cNvSpPr>
             <a:spLocks noGrp="1"/>
           </p:cNvSpPr>
@@ -1814,12 +1791,121 @@
           </a:p>
         </p:txBody>
       </p:sp>
+      <p:sp>
+        <p:nvSpPr>
+          <p:cNvPr id="11" name="Content Placeholder 10"/>
+          <p:cNvSpPr>
+            <a:spLocks noGrp="1"/>
+          </p:cNvSpPr>
+          <p:nvPr>
+            <p:ph sz="quarter" idx="13"/>
+          </p:nvPr>
+        </p:nvSpPr>
+        <p:spPr>
+          <a:xfrm>
+            <a:off x="457200" y="2212848"/>
+            <a:ext cx="4041648" cy="3913632"/>
+          </a:xfrm>
+        </p:spPr>
+        <p:txBody>
+          <a:bodyPr/>
+          <a:lstStyle/>
+          <a:p>
+            <a:pPr lvl="0"/>
+            <a:r>
+              <a:rPr lang="fr-FR" smtClean="0"/>
+              <a:t>Modifiez les styles du texte du masque</a:t>
+            </a:r>
+          </a:p>
+          <a:p>
+            <a:pPr lvl="1"/>
+            <a:r>
+              <a:rPr lang="fr-FR" smtClean="0"/>
+              <a:t>Deuxième niveau</a:t>
+            </a:r>
+          </a:p>
+          <a:p>
+            <a:pPr lvl="2"/>
+            <a:r>
+              <a:rPr lang="fr-FR" smtClean="0"/>
+              <a:t>Troisième niveau</a:t>
+            </a:r>
+          </a:p>
+          <a:p>
+            <a:pPr lvl="3"/>
+            <a:r>
+              <a:rPr lang="fr-FR" smtClean="0"/>
+              <a:t>Quatrième niveau</a:t>
+            </a:r>
+          </a:p>
+          <a:p>
+            <a:pPr lvl="4"/>
+            <a:r>
+              <a:rPr lang="fr-FR" smtClean="0"/>
+              <a:t>Cinquième niveau</a:t>
+            </a:r>
+            <a:endParaRPr lang="en-US" dirty="0"/>
+          </a:p>
+        </p:txBody>
+      </p:sp>
+      <p:sp>
+        <p:nvSpPr>
+          <p:cNvPr id="13" name="Content Placeholder 12"/>
+          <p:cNvSpPr>
+            <a:spLocks noGrp="1"/>
+          </p:cNvSpPr>
+          <p:nvPr>
+            <p:ph sz="quarter" idx="14"/>
+          </p:nvPr>
+        </p:nvSpPr>
+        <p:spPr>
+          <a:xfrm>
+            <a:off x="4672584" y="2212848"/>
+            <a:ext cx="4041648" cy="3913187"/>
+          </a:xfrm>
+        </p:spPr>
+        <p:txBody>
+          <a:bodyPr/>
+          <a:lstStyle/>
+          <a:p>
+            <a:pPr lvl="0"/>
+            <a:r>
+              <a:rPr lang="fr-FR" smtClean="0"/>
+              <a:t>Modifiez les styles du texte du masque</a:t>
+            </a:r>
+          </a:p>
+          <a:p>
+            <a:pPr lvl="1"/>
+            <a:r>
+              <a:rPr lang="fr-FR" smtClean="0"/>
+              <a:t>Deuxième niveau</a:t>
+            </a:r>
+          </a:p>
+          <a:p>
+            <a:pPr lvl="2"/>
+            <a:r>
+              <a:rPr lang="fr-FR" smtClean="0"/>
+              <a:t>Troisième niveau</a:t>
+            </a:r>
+          </a:p>
+          <a:p>
+            <a:pPr lvl="3"/>
+            <a:r>
+              <a:rPr lang="fr-FR" smtClean="0"/>
+              <a:t>Quatrième niveau</a:t>
+            </a:r>
+          </a:p>
+          <a:p>
+            <a:pPr lvl="4"/>
+            <a:r>
+              <a:rPr lang="fr-FR" smtClean="0"/>
+              <a:t>Cinquième niveau</a:t>
+            </a:r>
+            <a:endParaRPr lang="en-US" dirty="0"/>
+          </a:p>
+        </p:txBody>
+      </p:sp>
     </p:spTree>
-    <p:extLst>
-      <p:ext uri="{BB962C8B-B14F-4D97-AF65-F5344CB8AC3E}">
-        <p14:creationId xmlns:p14="http://schemas.microsoft.com/office/powerpoint/2010/main" val="29914614"/>
-      </p:ext>
-    </p:extLst>
   </p:cSld>
   <p:clrMapOvr>
     <a:masterClrMapping/>
@@ -1846,7 +1932,7 @@
       </p:grpSpPr>
       <p:sp>
         <p:nvSpPr>
-          <p:cNvPr id="2" name="Titre 1"/>
+          <p:cNvPr id="2" name="Title 1"/>
           <p:cNvSpPr>
             <a:spLocks noGrp="1"/>
           </p:cNvSpPr>
@@ -1863,13 +1949,13 @@
               <a:rPr lang="fr-FR" smtClean="0"/>
               <a:t>Modifiez le style du titre</a:t>
             </a:r>
-            <a:endParaRPr lang="fr-FR"/>
-          </a:p>
-        </p:txBody>
-      </p:sp>
-      <p:sp>
-        <p:nvSpPr>
-          <p:cNvPr id="3" name="Espace réservé de la date 2"/>
+            <a:endParaRPr lang="en-US" dirty="0"/>
+          </a:p>
+        </p:txBody>
+      </p:sp>
+      <p:sp>
+        <p:nvSpPr>
+          <p:cNvPr id="3" name="Date Placeholder 2"/>
           <p:cNvSpPr>
             <a:spLocks noGrp="1"/>
           </p:cNvSpPr>
@@ -1892,7 +1978,7 @@
       </p:sp>
       <p:sp>
         <p:nvSpPr>
-          <p:cNvPr id="4" name="Espace réservé du pied de page 3"/>
+          <p:cNvPr id="4" name="Footer Placeholder 3"/>
           <p:cNvSpPr>
             <a:spLocks noGrp="1"/>
           </p:cNvSpPr>
@@ -1911,7 +1997,7 @@
       </p:sp>
       <p:sp>
         <p:nvSpPr>
-          <p:cNvPr id="5" name="Espace réservé du numéro de diapositive 4"/>
+          <p:cNvPr id="5" name="Slide Number Placeholder 4"/>
           <p:cNvSpPr>
             <a:spLocks noGrp="1"/>
           </p:cNvSpPr>
@@ -1933,11 +2019,6 @@
         </p:txBody>
       </p:sp>
     </p:spTree>
-    <p:extLst>
-      <p:ext uri="{BB962C8B-B14F-4D97-AF65-F5344CB8AC3E}">
-        <p14:creationId xmlns:p14="http://schemas.microsoft.com/office/powerpoint/2010/main" val="2314467897"/>
-      </p:ext>
-    </p:extLst>
   </p:cSld>
   <p:clrMapOvr>
     <a:masterClrMapping/>
@@ -1964,7 +2045,7 @@
       </p:grpSpPr>
       <p:sp>
         <p:nvSpPr>
-          <p:cNvPr id="2" name="Espace réservé de la date 1"/>
+          <p:cNvPr id="2" name="Date Placeholder 1"/>
           <p:cNvSpPr>
             <a:spLocks noGrp="1"/>
           </p:cNvSpPr>
@@ -1987,7 +2068,7 @@
       </p:sp>
       <p:sp>
         <p:nvSpPr>
-          <p:cNvPr id="3" name="Espace réservé du pied de page 2"/>
+          <p:cNvPr id="3" name="Footer Placeholder 2"/>
           <p:cNvSpPr>
             <a:spLocks noGrp="1"/>
           </p:cNvSpPr>
@@ -2006,7 +2087,7 @@
       </p:sp>
       <p:sp>
         <p:nvSpPr>
-          <p:cNvPr id="4" name="Espace réservé du numéro de diapositive 3"/>
+          <p:cNvPr id="4" name="Slide Number Placeholder 3"/>
           <p:cNvSpPr>
             <a:spLocks noGrp="1"/>
           </p:cNvSpPr>
@@ -2028,11 +2109,6 @@
         </p:txBody>
       </p:sp>
     </p:spTree>
-    <p:extLst>
-      <p:ext uri="{BB962C8B-B14F-4D97-AF65-F5344CB8AC3E}">
-        <p14:creationId xmlns:p14="http://schemas.microsoft.com/office/powerpoint/2010/main" val="425323077"/>
-      </p:ext>
-    </p:extLst>
   </p:cSld>
   <p:clrMapOvr>
     <a:masterClrMapping/>
@@ -2059,7 +2135,7 @@
       </p:grpSpPr>
       <p:sp>
         <p:nvSpPr>
-          <p:cNvPr id="2" name="Titre 1"/>
+          <p:cNvPr id="2" name="Title 1"/>
           <p:cNvSpPr>
             <a:spLocks noGrp="1"/>
           </p:cNvSpPr>
@@ -2069,15 +2145,26 @@
         </p:nvSpPr>
         <p:spPr>
           <a:xfrm>
-            <a:off x="457200" y="273050"/>
-            <a:ext cx="3008313" cy="1162050"/>
+            <a:off x="5907087" y="266700"/>
+            <a:ext cx="3008313" cy="2095500"/>
           </a:xfrm>
         </p:spPr>
         <p:txBody>
           <a:bodyPr anchor="b"/>
           <a:lstStyle>
-            <a:lvl1pPr algn="l">
-              <a:defRPr sz="2000" b="1"/>
+            <a:lvl1pPr algn="ctr">
+              <a:lnSpc>
+                <a:spcPct val="100000"/>
+              </a:lnSpc>
+              <a:defRPr sz="2800" b="0">
+                <a:effectLst>
+                  <a:outerShdw blurRad="50800" dist="25400" dir="5400000" algn="t" rotWithShape="0">
+                    <a:prstClr val="black">
+                      <a:alpha val="25000"/>
+                    </a:prstClr>
+                  </a:outerShdw>
+                </a:effectLst>
+              </a:defRPr>
             </a:lvl1pPr>
           </a:lstStyle>
           <a:p>
@@ -2085,13 +2172,13 @@
               <a:rPr lang="fr-FR" smtClean="0"/>
               <a:t>Modifiez le style du titre</a:t>
             </a:r>
-            <a:endParaRPr lang="fr-FR"/>
-          </a:p>
-        </p:txBody>
-      </p:sp>
-      <p:sp>
-        <p:nvSpPr>
-          <p:cNvPr id="3" name="Espace réservé du contenu 2"/>
+            <a:endParaRPr lang="en-US" dirty="0"/>
+          </a:p>
+        </p:txBody>
+      </p:sp>
+      <p:sp>
+        <p:nvSpPr>
+          <p:cNvPr id="3" name="Content Placeholder 2"/>
           <p:cNvSpPr>
             <a:spLocks noGrp="1"/>
           </p:cNvSpPr>
@@ -2101,8 +2188,8 @@
         </p:nvSpPr>
         <p:spPr>
           <a:xfrm>
-            <a:off x="3575050" y="273050"/>
-            <a:ext cx="5111750" cy="5853113"/>
+            <a:off x="719137" y="273050"/>
+            <a:ext cx="4995863" cy="5853113"/>
           </a:xfrm>
         </p:spPr>
         <p:txBody>
@@ -2170,13 +2257,13 @@
               <a:rPr lang="fr-FR" smtClean="0"/>
               <a:t>Cinquième niveau</a:t>
             </a:r>
-            <a:endParaRPr lang="fr-FR"/>
-          </a:p>
-        </p:txBody>
-      </p:sp>
-      <p:sp>
-        <p:nvSpPr>
-          <p:cNvPr id="4" name="Espace réservé du texte 3"/>
+            <a:endParaRPr lang="en-US" dirty="0"/>
+          </a:p>
+        </p:txBody>
+      </p:sp>
+      <p:sp>
+        <p:nvSpPr>
+          <p:cNvPr id="4" name="Text Placeholder 3"/>
           <p:cNvSpPr>
             <a:spLocks noGrp="1"/>
           </p:cNvSpPr>
@@ -2186,16 +2273,21 @@
         </p:nvSpPr>
         <p:spPr>
           <a:xfrm>
-            <a:off x="457200" y="1435100"/>
-            <a:ext cx="3008313" cy="4691063"/>
+            <a:off x="5907087" y="2438400"/>
+            <a:ext cx="3008313" cy="3687763"/>
           </a:xfrm>
         </p:spPr>
         <p:txBody>
-          <a:bodyPr/>
+          <a:bodyPr>
+            <a:normAutofit/>
+          </a:bodyPr>
           <a:lstStyle>
-            <a:lvl1pPr marL="0" indent="0">
-              <a:buNone/>
-              <a:defRPr sz="1400"/>
+            <a:lvl1pPr marL="0" indent="0" algn="ctr">
+              <a:lnSpc>
+                <a:spcPct val="125000"/>
+              </a:lnSpc>
+              <a:buNone/>
+              <a:defRPr sz="1600"/>
             </a:lvl1pPr>
             <a:lvl2pPr marL="457200" indent="0">
               <a:buNone/>
@@ -2241,7 +2333,7 @@
       </p:sp>
       <p:sp>
         <p:nvSpPr>
-          <p:cNvPr id="5" name="Espace réservé de la date 4"/>
+          <p:cNvPr id="5" name="Date Placeholder 4"/>
           <p:cNvSpPr>
             <a:spLocks noGrp="1"/>
           </p:cNvSpPr>
@@ -2264,7 +2356,7 @@
       </p:sp>
       <p:sp>
         <p:nvSpPr>
-          <p:cNvPr id="6" name="Espace réservé du pied de page 5"/>
+          <p:cNvPr id="6" name="Footer Placeholder 5"/>
           <p:cNvSpPr>
             <a:spLocks noGrp="1"/>
           </p:cNvSpPr>
@@ -2283,7 +2375,7 @@
       </p:sp>
       <p:sp>
         <p:nvSpPr>
-          <p:cNvPr id="7" name="Espace réservé du numéro de diapositive 6"/>
+          <p:cNvPr id="7" name="Slide Number Placeholder 6"/>
           <p:cNvSpPr>
             <a:spLocks noGrp="1"/>
           </p:cNvSpPr>
@@ -2305,11 +2397,6 @@
         </p:txBody>
       </p:sp>
     </p:spTree>
-    <p:extLst>
-      <p:ext uri="{BB962C8B-B14F-4D97-AF65-F5344CB8AC3E}">
-        <p14:creationId xmlns:p14="http://schemas.microsoft.com/office/powerpoint/2010/main" val="2030984532"/>
-      </p:ext>
-    </p:extLst>
   </p:cSld>
   <p:clrMapOvr>
     <a:masterClrMapping/>
@@ -2336,7 +2423,7 @@
       </p:grpSpPr>
       <p:sp>
         <p:nvSpPr>
-          <p:cNvPr id="2" name="Titre 1"/>
+          <p:cNvPr id="2" name="Title 1"/>
           <p:cNvSpPr>
             <a:spLocks noGrp="1"/>
           </p:cNvSpPr>
@@ -2346,15 +2433,18 @@
         </p:nvSpPr>
         <p:spPr>
           <a:xfrm>
-            <a:off x="1792288" y="4800600"/>
-            <a:ext cx="5486400" cy="566738"/>
+            <a:off x="1679576" y="228600"/>
+            <a:ext cx="5711824" cy="895350"/>
           </a:xfrm>
         </p:spPr>
         <p:txBody>
           <a:bodyPr anchor="b"/>
           <a:lstStyle>
-            <a:lvl1pPr algn="l">
-              <a:defRPr sz="2000" b="1"/>
+            <a:lvl1pPr algn="ctr">
+              <a:lnSpc>
+                <a:spcPct val="100000"/>
+              </a:lnSpc>
+              <a:defRPr sz="2800" b="0"/>
             </a:lvl1pPr>
           </a:lstStyle>
           <a:p>
@@ -2362,13 +2452,13 @@
               <a:rPr lang="fr-FR" smtClean="0"/>
               <a:t>Modifiez le style du titre</a:t>
             </a:r>
-            <a:endParaRPr lang="fr-FR"/>
-          </a:p>
-        </p:txBody>
-      </p:sp>
-      <p:sp>
-        <p:nvSpPr>
-          <p:cNvPr id="3" name="Espace réservé pour une image  2"/>
+            <a:endParaRPr lang="en-US" dirty="0"/>
+          </a:p>
+        </p:txBody>
+      </p:sp>
+      <p:sp>
+        <p:nvSpPr>
+          <p:cNvPr id="3" name="Picture Placeholder 2"/>
           <p:cNvSpPr>
             <a:spLocks noGrp="1"/>
           </p:cNvSpPr>
@@ -2378,14 +2468,26 @@
         </p:nvSpPr>
         <p:spPr>
           <a:xfrm>
-            <a:off x="1792288" y="612775"/>
-            <a:ext cx="5486400" cy="4114800"/>
+            <a:off x="1508126" y="1143000"/>
+            <a:ext cx="6054724" cy="4541044"/>
           </a:xfrm>
+          <a:ln w="76200">
+            <a:solidFill>
+              <a:schemeClr val="bg1"/>
+            </a:solidFill>
+          </a:ln>
+          <a:effectLst>
+            <a:outerShdw blurRad="88900" dist="50800" dir="5400000" algn="ctr" rotWithShape="0">
+              <a:srgbClr val="000000">
+                <a:alpha val="25000"/>
+              </a:srgbClr>
+            </a:outerShdw>
+          </a:effectLst>
         </p:spPr>
         <p:txBody>
-          <a:bodyPr/>
+          <a:bodyPr anchor="t"/>
           <a:lstStyle>
-            <a:lvl1pPr marL="0" indent="0">
+            <a:lvl1pPr marL="0" indent="0" algn="ctr">
               <a:buNone/>
               <a:defRPr sz="3200"/>
             </a:lvl1pPr>
@@ -2423,13 +2525,17 @@
             </a:lvl9pPr>
           </a:lstStyle>
           <a:p>
-            <a:endParaRPr lang="fr-FR"/>
-          </a:p>
-        </p:txBody>
-      </p:sp>
-      <p:sp>
-        <p:nvSpPr>
-          <p:cNvPr id="4" name="Espace réservé du texte 3"/>
+            <a:r>
+              <a:rPr lang="fr-FR" smtClean="0"/>
+              <a:t>Cliquez sur l'icône pour ajouter une image</a:t>
+            </a:r>
+            <a:endParaRPr lang="en-US" dirty="0"/>
+          </a:p>
+        </p:txBody>
+      </p:sp>
+      <p:sp>
+        <p:nvSpPr>
+          <p:cNvPr id="4" name="Text Placeholder 3"/>
           <p:cNvSpPr>
             <a:spLocks noGrp="1"/>
           </p:cNvSpPr>
@@ -2439,16 +2545,18 @@
         </p:nvSpPr>
         <p:spPr>
           <a:xfrm>
-            <a:off x="1792288" y="5367338"/>
-            <a:ext cx="5486400" cy="804862"/>
+            <a:off x="1679576" y="5810250"/>
+            <a:ext cx="5711824" cy="533400"/>
           </a:xfrm>
         </p:spPr>
         <p:txBody>
-          <a:bodyPr/>
+          <a:bodyPr>
+            <a:normAutofit/>
+          </a:bodyPr>
           <a:lstStyle>
-            <a:lvl1pPr marL="0" indent="0">
-              <a:buNone/>
-              <a:defRPr sz="1400"/>
+            <a:lvl1pPr marL="0" indent="0" algn="ctr">
+              <a:buNone/>
+              <a:defRPr sz="1600"/>
             </a:lvl1pPr>
             <a:lvl2pPr marL="457200" indent="0">
               <a:buNone/>
@@ -2494,7 +2602,7 @@
       </p:sp>
       <p:sp>
         <p:nvSpPr>
-          <p:cNvPr id="5" name="Espace réservé de la date 4"/>
+          <p:cNvPr id="5" name="Date Placeholder 4"/>
           <p:cNvSpPr>
             <a:spLocks noGrp="1"/>
           </p:cNvSpPr>
@@ -2517,7 +2625,7 @@
       </p:sp>
       <p:sp>
         <p:nvSpPr>
-          <p:cNvPr id="6" name="Espace réservé du pied de page 5"/>
+          <p:cNvPr id="6" name="Footer Placeholder 5"/>
           <p:cNvSpPr>
             <a:spLocks noGrp="1"/>
           </p:cNvSpPr>
@@ -2536,7 +2644,7 @@
       </p:sp>
       <p:sp>
         <p:nvSpPr>
-          <p:cNvPr id="7" name="Espace réservé du numéro de diapositive 6"/>
+          <p:cNvPr id="7" name="Slide Number Placeholder 6"/>
           <p:cNvSpPr>
             <a:spLocks noGrp="1"/>
           </p:cNvSpPr>
@@ -2558,11 +2666,6 @@
         </p:txBody>
       </p:sp>
     </p:spTree>
-    <p:extLst>
-      <p:ext uri="{BB962C8B-B14F-4D97-AF65-F5344CB8AC3E}">
-        <p14:creationId xmlns:p14="http://schemas.microsoft.com/office/powerpoint/2010/main" val="2747935263"/>
-      </p:ext>
-    </p:extLst>
   </p:cSld>
   <p:clrMapOvr>
     <a:masterClrMapping/>
@@ -2574,7 +2677,7 @@
 <p:sldMaster xmlns:a="http://schemas.openxmlformats.org/drawingml/2006/main" xmlns:r="http://schemas.openxmlformats.org/officeDocument/2006/relationships" xmlns:p="http://schemas.openxmlformats.org/presentationml/2006/main">
   <p:cSld>
     <p:bg>
-      <p:bgRef idx="1001">
+      <p:bgRef idx="1002">
         <a:schemeClr val="bg1"/>
       </p:bgRef>
     </p:bg>
@@ -2594,7 +2697,7 @@
       </p:grpSpPr>
       <p:sp>
         <p:nvSpPr>
-          <p:cNvPr id="2" name="Espace réservé du titre 1"/>
+          <p:cNvPr id="2" name="Title Placeholder 1"/>
           <p:cNvSpPr>
             <a:spLocks noGrp="1"/>
           </p:cNvSpPr>
@@ -2604,16 +2707,16 @@
         </p:nvSpPr>
         <p:spPr>
           <a:xfrm>
-            <a:off x="457200" y="274638"/>
-            <a:ext cx="8229600" cy="1143000"/>
+            <a:off x="457200" y="0"/>
+            <a:ext cx="8229600" cy="1600200"/>
           </a:xfrm>
           <a:prstGeom prst="rect">
             <a:avLst/>
           </a:prstGeom>
         </p:spPr>
         <p:txBody>
-          <a:bodyPr vert="horz" lIns="91440" tIns="45720" rIns="91440" bIns="45720" rtlCol="0" anchor="ctr">
-            <a:normAutofit/>
+          <a:bodyPr vert="horz" lIns="91440" tIns="45720" rIns="91440" bIns="45720" rtlCol="0" anchor="b">
+            <a:noAutofit/>
           </a:bodyPr>
           <a:lstStyle/>
           <a:p>
@@ -2621,13 +2724,13 @@
               <a:rPr lang="fr-FR" smtClean="0"/>
               <a:t>Modifiez le style du titre</a:t>
             </a:r>
-            <a:endParaRPr lang="fr-FR"/>
-          </a:p>
-        </p:txBody>
-      </p:sp>
-      <p:sp>
-        <p:nvSpPr>
-          <p:cNvPr id="3" name="Espace réservé du texte 2"/>
+            <a:endParaRPr lang="en-US" dirty="0"/>
+          </a:p>
+        </p:txBody>
+      </p:sp>
+      <p:sp>
+        <p:nvSpPr>
+          <p:cNvPr id="3" name="Text Placeholder 2"/>
           <p:cNvSpPr>
             <a:spLocks noGrp="1"/>
           </p:cNvSpPr>
@@ -2683,13 +2786,13 @@
               <a:rPr lang="fr-FR" smtClean="0"/>
               <a:t>Cinquième niveau</a:t>
             </a:r>
-            <a:endParaRPr lang="fr-FR"/>
-          </a:p>
-        </p:txBody>
-      </p:sp>
-      <p:sp>
-        <p:nvSpPr>
-          <p:cNvPr id="4" name="Espace réservé de la date 3"/>
+            <a:endParaRPr lang="en-US" dirty="0" smtClean="0"/>
+          </a:p>
+        </p:txBody>
+      </p:sp>
+      <p:sp>
+        <p:nvSpPr>
+          <p:cNvPr id="4" name="Date Placeholder 3"/>
           <p:cNvSpPr>
             <a:spLocks noGrp="1"/>
           </p:cNvSpPr>
@@ -2699,105 +2802,111 @@
         </p:nvSpPr>
         <p:spPr>
           <a:xfrm>
-            <a:off x="457200" y="6356350"/>
-            <a:ext cx="2133600" cy="365125"/>
+            <a:off x="6363347" y="6356350"/>
+            <a:ext cx="2085975" cy="365125"/>
           </a:xfrm>
           <a:prstGeom prst="rect">
             <a:avLst/>
           </a:prstGeom>
         </p:spPr>
         <p:txBody>
-          <a:bodyPr vert="horz" lIns="91440" tIns="45720" rIns="91440" bIns="45720" rtlCol="0" anchor="ctr"/>
+          <a:bodyPr vert="horz" lIns="91440" tIns="45720" rIns="45720" bIns="45720" rtlCol="0" anchor="ctr"/>
+          <a:lstStyle>
+            <a:lvl1pPr algn="r">
+              <a:defRPr sz="1200">
+                <a:solidFill>
+                  <a:schemeClr val="tx1">
+                    <a:lumMod val="65000"/>
+                    <a:lumOff val="35000"/>
+                  </a:schemeClr>
+                </a:solidFill>
+                <a:latin typeface="Century Gothic" pitchFamily="34" charset="0"/>
+              </a:defRPr>
+            </a:lvl1pPr>
+          </a:lstStyle>
+          <a:p>
+            <a:fld id="{A04226AA-615F-4C74-88B8-5CDDC0238E33}" type="datetimeFigureOut">
+              <a:rPr lang="fr-FR" smtClean="0"/>
+              <a:t>17/09/2020</a:t>
+            </a:fld>
+            <a:endParaRPr lang="fr-FR"/>
+          </a:p>
+        </p:txBody>
+      </p:sp>
+      <p:sp>
+        <p:nvSpPr>
+          <p:cNvPr id="5" name="Footer Placeholder 4"/>
+          <p:cNvSpPr>
+            <a:spLocks noGrp="1"/>
+          </p:cNvSpPr>
+          <p:nvPr>
+            <p:ph type="ftr" sz="quarter" idx="3"/>
+          </p:nvPr>
+        </p:nvSpPr>
+        <p:spPr>
+          <a:xfrm>
+            <a:off x="659165" y="6356350"/>
+            <a:ext cx="2847975" cy="365125"/>
+          </a:xfrm>
+          <a:prstGeom prst="rect">
+            <a:avLst/>
+          </a:prstGeom>
+        </p:spPr>
+        <p:txBody>
+          <a:bodyPr vert="horz" lIns="45720" tIns="45720" rIns="91440" bIns="45720" rtlCol="0" anchor="ctr"/>
           <a:lstStyle>
             <a:lvl1pPr algn="l">
               <a:defRPr sz="1200">
                 <a:solidFill>
                   <a:schemeClr val="tx1">
-                    <a:tint val="75000"/>
+                    <a:lumMod val="65000"/>
+                    <a:lumOff val="35000"/>
                   </a:schemeClr>
                 </a:solidFill>
+                <a:latin typeface="Century Gothic" pitchFamily="34" charset="0"/>
               </a:defRPr>
             </a:lvl1pPr>
           </a:lstStyle>
           <a:p>
-            <a:fld id="{A04226AA-615F-4C74-88B8-5CDDC0238E33}" type="datetimeFigureOut">
-              <a:rPr lang="fr-FR" smtClean="0"/>
-              <a:t>17/09/2020</a:t>
-            </a:fld>
             <a:endParaRPr lang="fr-FR"/>
           </a:p>
         </p:txBody>
       </p:sp>
       <p:sp>
         <p:nvSpPr>
-          <p:cNvPr id="5" name="Espace réservé du pied de page 4"/>
-          <p:cNvSpPr>
-            <a:spLocks noGrp="1"/>
-          </p:cNvSpPr>
-          <p:nvPr>
-            <p:ph type="ftr" sz="quarter" idx="3"/>
+          <p:cNvPr id="6" name="Slide Number Placeholder 5"/>
+          <p:cNvSpPr>
+            <a:spLocks noGrp="1"/>
+          </p:cNvSpPr>
+          <p:nvPr>
+            <p:ph type="sldNum" sz="quarter" idx="4"/>
           </p:nvPr>
         </p:nvSpPr>
         <p:spPr>
           <a:xfrm>
-            <a:off x="3124200" y="6356350"/>
-            <a:ext cx="2895600" cy="365125"/>
+            <a:off x="8543278" y="6356350"/>
+            <a:ext cx="561975" cy="365125"/>
           </a:xfrm>
           <a:prstGeom prst="rect">
             <a:avLst/>
           </a:prstGeom>
         </p:spPr>
         <p:txBody>
-          <a:bodyPr vert="horz" lIns="91440" tIns="45720" rIns="91440" bIns="45720" rtlCol="0" anchor="ctr"/>
+          <a:bodyPr vert="horz" lIns="27432" tIns="45720" rIns="45720" bIns="45720" rtlCol="0" anchor="ctr"/>
           <a:lstStyle>
-            <a:lvl1pPr algn="ctr">
+            <a:lvl1pPr algn="l">
               <a:defRPr sz="1200">
                 <a:solidFill>
                   <a:schemeClr val="tx1">
-                    <a:tint val="75000"/>
+                    <a:lumMod val="65000"/>
+                    <a:lumOff val="35000"/>
                   </a:schemeClr>
                 </a:solidFill>
+                <a:latin typeface="Century Gothic" pitchFamily="34" charset="0"/>
               </a:defRPr>
             </a:lvl1pPr>
           </a:lstStyle>
           <a:p>
-            <a:endParaRPr lang="fr-FR"/>
-          </a:p>
-        </p:txBody>
-      </p:sp>
-      <p:sp>
-        <p:nvSpPr>
-          <p:cNvPr id="6" name="Espace réservé du numéro de diapositive 5"/>
-          <p:cNvSpPr>
-            <a:spLocks noGrp="1"/>
-          </p:cNvSpPr>
-          <p:nvPr>
-            <p:ph type="sldNum" sz="quarter" idx="4"/>
-          </p:nvPr>
-        </p:nvSpPr>
-        <p:spPr>
-          <a:xfrm>
-            <a:off x="6553200" y="6356350"/>
-            <a:ext cx="2133600" cy="365125"/>
-          </a:xfrm>
-          <a:prstGeom prst="rect">
-            <a:avLst/>
-          </a:prstGeom>
-        </p:spPr>
-        <p:txBody>
-          <a:bodyPr vert="horz" lIns="91440" tIns="45720" rIns="91440" bIns="45720" rtlCol="0" anchor="ctr"/>
-          <a:lstStyle>
-            <a:lvl1pPr algn="r">
-              <a:defRPr sz="1200">
-                <a:solidFill>
-                  <a:schemeClr val="tx1">
-                    <a:tint val="75000"/>
-                  </a:schemeClr>
-                </a:solidFill>
-              </a:defRPr>
-            </a:lvl1pPr>
-          </a:lstStyle>
-          <a:p>
             <a:fld id="{04164834-507E-4097-9BC4-23B9669CED52}" type="slidenum">
               <a:rPr lang="fr-FR" smtClean="0"/>
               <a:t>‹N°›</a:t>
@@ -2806,39 +2915,151 @@
           </a:p>
         </p:txBody>
       </p:sp>
+      <p:sp>
+        <p:nvSpPr>
+          <p:cNvPr id="7" name="Oval 6"/>
+          <p:cNvSpPr/>
+          <p:nvPr/>
+        </p:nvSpPr>
+        <p:spPr>
+          <a:xfrm>
+            <a:off x="8457760" y="6499384"/>
+            <a:ext cx="84772" cy="84772"/>
+          </a:xfrm>
+          <a:prstGeom prst="ellipse">
+            <a:avLst/>
+          </a:prstGeom>
+          <a:solidFill>
+            <a:schemeClr val="tx1">
+              <a:lumMod val="50000"/>
+              <a:lumOff val="50000"/>
+            </a:schemeClr>
+          </a:solidFill>
+          <a:ln w="12700">
+            <a:noFill/>
+          </a:ln>
+          <a:effectLst/>
+        </p:spPr>
+        <p:style>
+          <a:lnRef idx="2">
+            <a:schemeClr val="accent1">
+              <a:shade val="50000"/>
+            </a:schemeClr>
+          </a:lnRef>
+          <a:fillRef idx="1">
+            <a:schemeClr val="accent1"/>
+          </a:fillRef>
+          <a:effectRef idx="0">
+            <a:schemeClr val="accent1"/>
+          </a:effectRef>
+          <a:fontRef idx="minor">
+            <a:schemeClr val="lt1"/>
+          </a:fontRef>
+        </p:style>
+        <p:txBody>
+          <a:bodyPr rtlCol="0" anchor="ctr"/>
+          <a:lstStyle/>
+          <a:p>
+            <a:pPr marL="0" algn="ctr" defTabSz="914400" rtl="0" eaLnBrk="1" latinLnBrk="0" hangingPunct="1"/>
+            <a:endParaRPr lang="en-US" sz="1800" kern="1200">
+              <a:solidFill>
+                <a:schemeClr val="lt1"/>
+              </a:solidFill>
+              <a:latin typeface="+mn-lt"/>
+              <a:ea typeface="+mn-ea"/>
+              <a:cs typeface="+mn-cs"/>
+            </a:endParaRPr>
+          </a:p>
+        </p:txBody>
+      </p:sp>
+      <p:sp>
+        <p:nvSpPr>
+          <p:cNvPr id="8" name="Oval 7"/>
+          <p:cNvSpPr/>
+          <p:nvPr/>
+        </p:nvSpPr>
+        <p:spPr>
+          <a:xfrm>
+            <a:off x="569119" y="6499384"/>
+            <a:ext cx="84772" cy="84772"/>
+          </a:xfrm>
+          <a:prstGeom prst="ellipse">
+            <a:avLst/>
+          </a:prstGeom>
+          <a:solidFill>
+            <a:schemeClr val="tx1">
+              <a:lumMod val="50000"/>
+              <a:lumOff val="50000"/>
+            </a:schemeClr>
+          </a:solidFill>
+          <a:ln w="12700">
+            <a:noFill/>
+          </a:ln>
+          <a:effectLst/>
+        </p:spPr>
+        <p:style>
+          <a:lnRef idx="2">
+            <a:schemeClr val="accent1">
+              <a:shade val="50000"/>
+            </a:schemeClr>
+          </a:lnRef>
+          <a:fillRef idx="1">
+            <a:schemeClr val="accent1"/>
+          </a:fillRef>
+          <a:effectRef idx="0">
+            <a:schemeClr val="accent1"/>
+          </a:effectRef>
+          <a:fontRef idx="minor">
+            <a:schemeClr val="lt1"/>
+          </a:fontRef>
+        </p:style>
+        <p:txBody>
+          <a:bodyPr rtlCol="0" anchor="ctr"/>
+          <a:lstStyle/>
+          <a:p>
+            <a:pPr algn="ctr"/>
+            <a:endParaRPr lang="en-US"/>
+          </a:p>
+        </p:txBody>
+      </p:sp>
     </p:spTree>
-    <p:extLst>
-      <p:ext uri="{BB962C8B-B14F-4D97-AF65-F5344CB8AC3E}">
-        <p14:creationId xmlns:p14="http://schemas.microsoft.com/office/powerpoint/2010/main" val="1570075368"/>
-      </p:ext>
-    </p:extLst>
   </p:cSld>
   <p:clrMap bg1="lt1" tx1="dk1" bg2="lt2" tx2="dk2" accent1="accent1" accent2="accent2" accent3="accent3" accent4="accent4" accent5="accent5" accent6="accent6" hlink="hlink" folHlink="folHlink"/>
   <p:sldLayoutIdLst>
-    <p:sldLayoutId id="2147483649" r:id="rId1"/>
-    <p:sldLayoutId id="2147483650" r:id="rId2"/>
-    <p:sldLayoutId id="2147483651" r:id="rId3"/>
-    <p:sldLayoutId id="2147483652" r:id="rId4"/>
-    <p:sldLayoutId id="2147483653" r:id="rId5"/>
-    <p:sldLayoutId id="2147483654" r:id="rId6"/>
-    <p:sldLayoutId id="2147483655" r:id="rId7"/>
-    <p:sldLayoutId id="2147483656" r:id="rId8"/>
-    <p:sldLayoutId id="2147483657" r:id="rId9"/>
-    <p:sldLayoutId id="2147483658" r:id="rId10"/>
-    <p:sldLayoutId id="2147483659" r:id="rId11"/>
+    <p:sldLayoutId id="2147483661" r:id="rId1"/>
+    <p:sldLayoutId id="2147483662" r:id="rId2"/>
+    <p:sldLayoutId id="2147483663" r:id="rId3"/>
+    <p:sldLayoutId id="2147483664" r:id="rId4"/>
+    <p:sldLayoutId id="2147483665" r:id="rId5"/>
+    <p:sldLayoutId id="2147483666" r:id="rId6"/>
+    <p:sldLayoutId id="2147483667" r:id="rId7"/>
+    <p:sldLayoutId id="2147483668" r:id="rId8"/>
+    <p:sldLayoutId id="2147483669" r:id="rId9"/>
+    <p:sldLayoutId id="2147483670" r:id="rId10"/>
+    <p:sldLayoutId id="2147483671" r:id="rId11"/>
   </p:sldLayoutIdLst>
   <p:txStyles>
     <p:titleStyle>
       <a:lvl1pPr algn="ctr" defTabSz="914400" rtl="0" eaLnBrk="1" latinLnBrk="0" hangingPunct="1">
+        <a:lnSpc>
+          <a:spcPts val="5800"/>
+        </a:lnSpc>
         <a:spcBef>
           <a:spcPct val="0"/>
         </a:spcBef>
         <a:buNone/>
-        <a:defRPr sz="4400" kern="1200">
+        <a:defRPr sz="5400" kern="1200">
           <a:solidFill>
-            <a:schemeClr val="tx1"/>
+            <a:schemeClr val="tx2"/>
           </a:solidFill>
-          <a:latin typeface="+mj-lt"/>
+          <a:effectLst>
+            <a:outerShdw blurRad="63500" dist="38100" dir="5400000" algn="t" rotWithShape="0">
+              <a:prstClr val="black">
+                <a:alpha val="25000"/>
+              </a:prstClr>
+            </a:outerShdw>
+          </a:effectLst>
+          <a:latin typeface="+mn-lt"/>
           <a:ea typeface="+mj-ea"/>
           <a:cs typeface="+mj-cs"/>
         </a:defRPr>
@@ -2851,11 +3072,14 @@
         </a:spcBef>
         <a:buFont typeface="Arial" pitchFamily="34" charset="0"/>
         <a:buChar char="•"/>
-        <a:defRPr sz="3200" kern="1200">
+        <a:defRPr sz="2400" kern="1200">
           <a:solidFill>
-            <a:schemeClr val="tx1"/>
+            <a:schemeClr val="tx1">
+              <a:lumMod val="50000"/>
+              <a:lumOff val="50000"/>
+            </a:schemeClr>
           </a:solidFill>
-          <a:latin typeface="+mn-lt"/>
+          <a:latin typeface="+mj-lt"/>
           <a:ea typeface="+mn-ea"/>
           <a:cs typeface="+mn-cs"/>
         </a:defRPr>
@@ -2864,13 +3088,16 @@
         <a:spcBef>
           <a:spcPct val="20000"/>
         </a:spcBef>
-        <a:buFont typeface="Arial" pitchFamily="34" charset="0"/>
-        <a:buChar char="–"/>
-        <a:defRPr sz="2800" kern="1200">
+        <a:buFont typeface="Courier New" pitchFamily="49" charset="0"/>
+        <a:buChar char="o"/>
+        <a:defRPr sz="1600" kern="1200">
           <a:solidFill>
-            <a:schemeClr val="tx1"/>
+            <a:schemeClr val="tx1">
+              <a:lumMod val="50000"/>
+              <a:lumOff val="50000"/>
+            </a:schemeClr>
           </a:solidFill>
-          <a:latin typeface="+mn-lt"/>
+          <a:latin typeface="+mj-lt"/>
           <a:ea typeface="+mn-ea"/>
           <a:cs typeface="+mn-cs"/>
         </a:defRPr>
@@ -2881,11 +3108,14 @@
         </a:spcBef>
         <a:buFont typeface="Arial" pitchFamily="34" charset="0"/>
         <a:buChar char="•"/>
-        <a:defRPr sz="2400" kern="1200">
+        <a:defRPr sz="1600" kern="1200">
           <a:solidFill>
-            <a:schemeClr val="tx1"/>
+            <a:schemeClr val="tx1">
+              <a:lumMod val="50000"/>
+              <a:lumOff val="50000"/>
+            </a:schemeClr>
           </a:solidFill>
-          <a:latin typeface="+mn-lt"/>
+          <a:latin typeface="+mj-lt"/>
           <a:ea typeface="+mn-ea"/>
           <a:cs typeface="+mn-cs"/>
         </a:defRPr>
@@ -2894,13 +3124,16 @@
         <a:spcBef>
           <a:spcPct val="20000"/>
         </a:spcBef>
-        <a:buFont typeface="Arial" pitchFamily="34" charset="0"/>
-        <a:buChar char="–"/>
-        <a:defRPr sz="2000" kern="1200">
+        <a:buFont typeface="Courier New" pitchFamily="49" charset="0"/>
+        <a:buChar char="o"/>
+        <a:defRPr sz="1600" kern="1200">
           <a:solidFill>
-            <a:schemeClr val="tx1"/>
+            <a:schemeClr val="tx1">
+              <a:lumMod val="50000"/>
+              <a:lumOff val="50000"/>
+            </a:schemeClr>
           </a:solidFill>
-          <a:latin typeface="+mn-lt"/>
+          <a:latin typeface="+mj-lt"/>
           <a:ea typeface="+mn-ea"/>
           <a:cs typeface="+mn-cs"/>
         </a:defRPr>
@@ -2910,12 +3143,15 @@
           <a:spcPct val="20000"/>
         </a:spcBef>
         <a:buFont typeface="Arial" pitchFamily="34" charset="0"/>
-        <a:buChar char="»"/>
-        <a:defRPr sz="2000" kern="1200">
+        <a:buChar char="•"/>
+        <a:defRPr sz="1600" kern="1200">
           <a:solidFill>
-            <a:schemeClr val="tx1"/>
+            <a:schemeClr val="tx1">
+              <a:lumMod val="50000"/>
+              <a:lumOff val="50000"/>
+            </a:schemeClr>
           </a:solidFill>
-          <a:latin typeface="+mn-lt"/>
+          <a:latin typeface="+mj-lt"/>
           <a:ea typeface="+mn-ea"/>
           <a:cs typeface="+mn-cs"/>
         </a:defRPr>
@@ -2924,13 +3160,16 @@
         <a:spcBef>
           <a:spcPct val="20000"/>
         </a:spcBef>
-        <a:buFont typeface="Arial" pitchFamily="34" charset="0"/>
-        <a:buChar char="•"/>
-        <a:defRPr sz="2000" kern="1200">
+        <a:buFont typeface="Courier New" pitchFamily="49" charset="0"/>
+        <a:buChar char="o"/>
+        <a:defRPr sz="1600" kern="1200">
           <a:solidFill>
-            <a:schemeClr val="tx1"/>
+            <a:schemeClr val="tx1">
+              <a:lumMod val="50000"/>
+              <a:lumOff val="50000"/>
+            </a:schemeClr>
           </a:solidFill>
-          <a:latin typeface="+mn-lt"/>
+          <a:latin typeface="+mj-lt"/>
           <a:ea typeface="+mn-ea"/>
           <a:cs typeface="+mn-cs"/>
         </a:defRPr>
@@ -2941,11 +3180,14 @@
         </a:spcBef>
         <a:buFont typeface="Arial" pitchFamily="34" charset="0"/>
         <a:buChar char="•"/>
-        <a:defRPr sz="2000" kern="1200">
+        <a:defRPr sz="1600" kern="1200">
           <a:solidFill>
-            <a:schemeClr val="tx1"/>
+            <a:schemeClr val="tx1">
+              <a:lumMod val="50000"/>
+              <a:lumOff val="50000"/>
+            </a:schemeClr>
           </a:solidFill>
-          <a:latin typeface="+mn-lt"/>
+          <a:latin typeface="+mj-lt"/>
           <a:ea typeface="+mn-ea"/>
           <a:cs typeface="+mn-cs"/>
         </a:defRPr>
@@ -2954,13 +3196,16 @@
         <a:spcBef>
           <a:spcPct val="20000"/>
         </a:spcBef>
-        <a:buFont typeface="Arial" pitchFamily="34" charset="0"/>
-        <a:buChar char="•"/>
-        <a:defRPr sz="2000" kern="1200">
+        <a:buFont typeface="Courier New" pitchFamily="49" charset="0"/>
+        <a:buChar char="o"/>
+        <a:defRPr sz="1600" kern="1200">
           <a:solidFill>
-            <a:schemeClr val="tx1"/>
+            <a:schemeClr val="tx1">
+              <a:lumMod val="50000"/>
+              <a:lumOff val="50000"/>
+            </a:schemeClr>
           </a:solidFill>
-          <a:latin typeface="+mn-lt"/>
+          <a:latin typeface="+mj-lt"/>
           <a:ea typeface="+mn-ea"/>
           <a:cs typeface="+mn-cs"/>
         </a:defRPr>
@@ -2971,11 +3216,14 @@
         </a:spcBef>
         <a:buFont typeface="Arial" pitchFamily="34" charset="0"/>
         <a:buChar char="•"/>
-        <a:defRPr sz="2000" kern="1200">
+        <a:defRPr sz="1600" kern="1200">
           <a:solidFill>
-            <a:schemeClr val="tx1"/>
+            <a:schemeClr val="tx1">
+              <a:lumMod val="50000"/>
+              <a:lumOff val="50000"/>
+            </a:schemeClr>
           </a:solidFill>
-          <a:latin typeface="+mn-lt"/>
+          <a:latin typeface="+mj-lt"/>
           <a:ea typeface="+mn-ea"/>
           <a:cs typeface="+mn-cs"/>
         </a:defRPr>
@@ -2983,7 +3231,7 @@
     </p:bodyStyle>
     <p:otherStyle>
       <a:defPPr>
-        <a:defRPr lang="fr-FR"/>
+        <a:defRPr lang="en-US"/>
       </a:defPPr>
       <a:lvl1pPr marL="0" algn="l" defTabSz="914400" rtl="0" eaLnBrk="1" latinLnBrk="0" hangingPunct="1">
         <a:defRPr sz="1800" kern="1200">
@@ -3104,17 +3352,22 @@
             <a:spLocks noGrp="1"/>
           </p:cNvSpPr>
           <p:nvPr>
-            <p:ph type="title"/>
-          </p:nvPr>
-        </p:nvSpPr>
-        <p:spPr/>
+            <p:ph type="ctrTitle"/>
+          </p:nvPr>
+        </p:nvSpPr>
+        <p:spPr>
+          <a:xfrm>
+            <a:off x="683568" y="1052736"/>
+            <a:ext cx="7772400" cy="1470025"/>
+          </a:xfrm>
+        </p:spPr>
         <p:txBody>
           <a:bodyPr/>
           <a:lstStyle/>
           <a:p>
             <a:r>
               <a:rPr lang="fr-FR" dirty="0" smtClean="0"/>
-              <a:t>Les +</a:t>
+              <a:t>Projet de gestion scolaire</a:t>
             </a:r>
             <a:endParaRPr lang="fr-FR" dirty="0"/>
           </a:p>
@@ -3122,55 +3375,68 @@
       </p:sp>
       <p:sp>
         <p:nvSpPr>
-          <p:cNvPr id="3" name="Espace réservé du contenu 2"/>
-          <p:cNvSpPr>
-            <a:spLocks noGrp="1"/>
-          </p:cNvSpPr>
-          <p:nvPr>
-            <p:ph idx="1"/>
-          </p:nvPr>
-        </p:nvSpPr>
-        <p:spPr/>
-        <p:txBody>
-          <a:bodyPr/>
-          <a:lstStyle/>
-          <a:p>
+          <p:cNvPr id="3" name="Sous-titre 2"/>
+          <p:cNvSpPr>
+            <a:spLocks noGrp="1"/>
+          </p:cNvSpPr>
+          <p:nvPr>
+            <p:ph type="subTitle" idx="1"/>
+          </p:nvPr>
+        </p:nvSpPr>
+        <p:spPr>
+          <a:xfrm>
+            <a:off x="1331640" y="2780928"/>
+            <a:ext cx="6400800" cy="3577952"/>
+          </a:xfrm>
+        </p:spPr>
+        <p:txBody>
+          <a:bodyPr/>
+          <a:lstStyle/>
+          <a:p>
+            <a:pPr algn="l"/>
             <a:r>
               <a:rPr lang="fr-FR" dirty="0" smtClean="0"/>
-              <a:t>Le projet fonctionne</a:t>
-            </a:r>
-          </a:p>
-          <a:p>
+              <a:t>CRUD étudiant</a:t>
+            </a:r>
+            <a:endParaRPr lang="fr-FR" dirty="0"/>
+          </a:p>
+          <a:p>
+            <a:pPr algn="l"/>
             <a:r>
               <a:rPr lang="fr-FR" dirty="0" smtClean="0"/>
-              <a:t>Interface jolie</a:t>
-            </a:r>
-          </a:p>
-          <a:p>
+              <a:t>Association de cours à des étudiants</a:t>
+            </a:r>
+          </a:p>
+          <a:p>
+            <a:pPr algn="l"/>
             <a:r>
               <a:rPr lang="fr-FR" dirty="0" smtClean="0"/>
-              <a:t>Interface agréable à utiliser</a:t>
-            </a:r>
-          </a:p>
-          <a:p>
-            <a:r>
-              <a:rPr lang="fr-FR" dirty="0" smtClean="0"/>
-              <a:t>Image docker présente</a:t>
-            </a:r>
-            <a:endParaRPr lang="fr-FR" dirty="0"/>
+              <a:t>Liste l’ensemble des étudiants</a:t>
+            </a:r>
+          </a:p>
+          <a:p>
+            <a:pPr algn="l"/>
+            <a:endParaRPr lang="fr-FR" dirty="0" smtClean="0"/>
           </a:p>
         </p:txBody>
       </p:sp>
     </p:spTree>
     <p:extLst>
       <p:ext uri="{BB962C8B-B14F-4D97-AF65-F5344CB8AC3E}">
-        <p14:creationId xmlns:p14="http://schemas.microsoft.com/office/powerpoint/2010/main" val="1700165149"/>
+        <p14:creationId xmlns:p14="http://schemas.microsoft.com/office/powerpoint/2010/main" val="2963174871"/>
       </p:ext>
     </p:extLst>
   </p:cSld>
   <p:clrMapOvr>
     <a:masterClrMapping/>
   </p:clrMapOvr>
+  <p:timing>
+    <p:tnLst>
+      <p:par>
+        <p:cTn id="1" dur="indefinite" restart="never" nodeType="tmRoot"/>
+      </p:par>
+    </p:tnLst>
+  </p:timing>
 </p:sld>
 </file>
 
@@ -3208,7 +3474,7 @@
           <a:p>
             <a:r>
               <a:rPr lang="fr-FR" dirty="0" smtClean="0"/>
-              <a:t>Les -</a:t>
+              <a:t>Les +</a:t>
             </a:r>
             <a:endParaRPr lang="fr-FR" dirty="0"/>
           </a:p>
@@ -3230,38 +3496,46 @@
           <a:lstStyle/>
           <a:p>
             <a:r>
-              <a:rPr lang="fr-FR" dirty="0"/>
-              <a:t>I</a:t>
-            </a:r>
-            <a:r>
               <a:rPr lang="fr-FR" dirty="0" smtClean="0"/>
-              <a:t>nterface à moitié en anglais (et avec des fautes en français)</a:t>
+              <a:t>Le projet fonctionne</a:t>
             </a:r>
           </a:p>
           <a:p>
             <a:r>
               <a:rPr lang="fr-FR" dirty="0" smtClean="0"/>
-              <a:t>Quelques noms de variables/méthodes manquent de pertinence</a:t>
+              <a:t>Interface jolie</a:t>
             </a:r>
           </a:p>
           <a:p>
             <a:r>
               <a:rPr lang="fr-FR" dirty="0" smtClean="0"/>
-              <a:t>Les étapes d’installation du projet manquent de précision</a:t>
-            </a:r>
+              <a:t>Interface agréable à </a:t>
+            </a:r>
+            <a:r>
+              <a:rPr lang="fr-FR" dirty="0" smtClean="0"/>
+              <a:t>utiliser</a:t>
+            </a:r>
+            <a:endParaRPr lang="fr-FR" dirty="0"/>
           </a:p>
         </p:txBody>
       </p:sp>
     </p:spTree>
     <p:extLst>
       <p:ext uri="{BB962C8B-B14F-4D97-AF65-F5344CB8AC3E}">
-        <p14:creationId xmlns:p14="http://schemas.microsoft.com/office/powerpoint/2010/main" val="373929120"/>
+        <p14:creationId xmlns:p14="http://schemas.microsoft.com/office/powerpoint/2010/main" val="1700165149"/>
       </p:ext>
     </p:extLst>
   </p:cSld>
   <p:clrMapOvr>
     <a:masterClrMapping/>
   </p:clrMapOvr>
+  <p:timing>
+    <p:tnLst>
+      <p:par>
+        <p:cTn id="1" dur="indefinite" restart="never" nodeType="tmRoot"/>
+      </p:par>
+    </p:tnLst>
+  </p:timing>
 </p:sld>
 </file>
 
@@ -3299,6 +3573,115 @@
           <a:p>
             <a:r>
               <a:rPr lang="fr-FR" dirty="0" smtClean="0"/>
+              <a:t>Les -</a:t>
+            </a:r>
+            <a:endParaRPr lang="fr-FR" dirty="0"/>
+          </a:p>
+        </p:txBody>
+      </p:sp>
+      <p:sp>
+        <p:nvSpPr>
+          <p:cNvPr id="3" name="Espace réservé du contenu 2"/>
+          <p:cNvSpPr>
+            <a:spLocks noGrp="1"/>
+          </p:cNvSpPr>
+          <p:nvPr>
+            <p:ph idx="1"/>
+          </p:nvPr>
+        </p:nvSpPr>
+        <p:spPr/>
+        <p:txBody>
+          <a:bodyPr/>
+          <a:lstStyle/>
+          <a:p>
+            <a:r>
+              <a:rPr lang="fr-FR" dirty="0"/>
+              <a:t>I</a:t>
+            </a:r>
+            <a:r>
+              <a:rPr lang="fr-FR" dirty="0" smtClean="0"/>
+              <a:t>nterface à moitié en anglais (et avec des fautes en français)</a:t>
+            </a:r>
+          </a:p>
+          <a:p>
+            <a:r>
+              <a:rPr lang="fr-FR" dirty="0" smtClean="0"/>
+              <a:t>Quelques noms de variables/méthodes manquent de pertinence</a:t>
+            </a:r>
+          </a:p>
+          <a:p>
+            <a:r>
+              <a:rPr lang="fr-FR" dirty="0" smtClean="0"/>
+              <a:t>Les étapes d’installation du projet manquent de </a:t>
+            </a:r>
+            <a:r>
+              <a:rPr lang="fr-FR" dirty="0" smtClean="0"/>
+              <a:t>précision</a:t>
+            </a:r>
+          </a:p>
+          <a:p>
+            <a:r>
+              <a:rPr lang="fr-FR" dirty="0" smtClean="0"/>
+              <a:t>Anomalie sur les dates de naissance (date perdue lors de la modification d’un étudiant)</a:t>
+            </a:r>
+            <a:endParaRPr lang="fr-FR" dirty="0" smtClean="0"/>
+          </a:p>
+        </p:txBody>
+      </p:sp>
+    </p:spTree>
+    <p:extLst>
+      <p:ext uri="{BB962C8B-B14F-4D97-AF65-F5344CB8AC3E}">
+        <p14:creationId xmlns:p14="http://schemas.microsoft.com/office/powerpoint/2010/main" val="373929120"/>
+      </p:ext>
+    </p:extLst>
+  </p:cSld>
+  <p:clrMapOvr>
+    <a:masterClrMapping/>
+  </p:clrMapOvr>
+  <p:timing>
+    <p:tnLst>
+      <p:par>
+        <p:cTn id="1" dur="indefinite" restart="never" nodeType="tmRoot"/>
+      </p:par>
+    </p:tnLst>
+  </p:timing>
+</p:sld>
+</file>
+
+<file path=ppt/slides/slide4.xml><?xml version="1.0" encoding="utf-8"?>
+<p:sld xmlns:a="http://schemas.openxmlformats.org/drawingml/2006/main" xmlns:r="http://schemas.openxmlformats.org/officeDocument/2006/relationships" xmlns:p="http://schemas.openxmlformats.org/presentationml/2006/main">
+  <p:cSld>
+    <p:spTree>
+      <p:nvGrpSpPr>
+        <p:cNvPr id="1" name=""/>
+        <p:cNvGrpSpPr/>
+        <p:nvPr/>
+      </p:nvGrpSpPr>
+      <p:grpSpPr>
+        <a:xfrm>
+          <a:off x="0" y="0"/>
+          <a:ext cx="0" cy="0"/>
+          <a:chOff x="0" y="0"/>
+          <a:chExt cx="0" cy="0"/>
+        </a:xfrm>
+      </p:grpSpPr>
+      <p:sp>
+        <p:nvSpPr>
+          <p:cNvPr id="2" name="Titre 1"/>
+          <p:cNvSpPr>
+            <a:spLocks noGrp="1"/>
+          </p:cNvSpPr>
+          <p:nvPr>
+            <p:ph type="title"/>
+          </p:nvPr>
+        </p:nvSpPr>
+        <p:spPr/>
+        <p:txBody>
+          <a:bodyPr/>
+          <a:lstStyle/>
+          <a:p>
+            <a:r>
+              <a:rPr lang="fr-FR" dirty="0" smtClean="0"/>
               <a:t>Chiffrage</a:t>
             </a:r>
             <a:endParaRPr lang="fr-FR" dirty="0"/>
@@ -3322,8 +3705,13 @@
           <a:p>
             <a:r>
               <a:rPr lang="fr-FR" dirty="0" smtClean="0"/>
-              <a:t>Passer toute l’interface en français : 1h</a:t>
-            </a:r>
+              <a:t>Passer toute l’interface en français : </a:t>
+            </a:r>
+            <a:r>
+              <a:rPr lang="fr-FR" dirty="0" smtClean="0"/>
+              <a:t>1h30</a:t>
+            </a:r>
+            <a:endParaRPr lang="fr-FR" dirty="0" smtClean="0"/>
           </a:p>
           <a:p>
             <a:r>
@@ -3332,16 +3720,57 @@
             </a:r>
             <a:r>
               <a:rPr lang="fr-FR" dirty="0" smtClean="0"/>
-              <a:t> les noms de variable et de méthode : 30 min – 1h</a:t>
-            </a:r>
-          </a:p>
-          <a:p>
+              <a:t> les noms de variable et de méthode : </a:t>
+            </a:r>
             <a:r>
               <a:rPr lang="fr-FR" dirty="0" smtClean="0"/>
-              <a:t>Être plus précis sur les étapes d’installation : 30 min</a:t>
-            </a:r>
-          </a:p>
-          <a:p>
+              <a:t>1h</a:t>
+            </a:r>
+            <a:endParaRPr lang="fr-FR" dirty="0" smtClean="0"/>
+          </a:p>
+          <a:p>
+            <a:r>
+              <a:rPr lang="fr-FR" dirty="0" smtClean="0"/>
+              <a:t>Être plus précis sur les étapes d’installation : </a:t>
+            </a:r>
+            <a:r>
+              <a:rPr lang="fr-FR" dirty="0" smtClean="0"/>
+              <a:t>1h</a:t>
+            </a:r>
+            <a:r>
+              <a:rPr lang="fr-FR" dirty="0" smtClean="0"/>
+              <a:t> </a:t>
+            </a:r>
+            <a:r>
+              <a:rPr lang="fr-FR" dirty="0" smtClean="0"/>
+              <a:t>min</a:t>
+            </a:r>
+          </a:p>
+          <a:p>
+            <a:r>
+              <a:rPr lang="fr-FR" dirty="0" smtClean="0"/>
+              <a:t>Résoudre l’anomalie sur les dates de naissance : </a:t>
+            </a:r>
+            <a:r>
+              <a:rPr lang="fr-FR" dirty="0" smtClean="0"/>
+              <a:t>1 d</a:t>
+            </a:r>
+            <a:r>
+              <a:rPr lang="fr-FR" dirty="0" smtClean="0"/>
+              <a:t>emi journée</a:t>
+            </a:r>
+          </a:p>
+          <a:p>
+            <a:endParaRPr lang="fr-FR" dirty="0"/>
+          </a:p>
+          <a:p>
+            <a:pPr marL="0" indent="0">
+              <a:buNone/>
+            </a:pPr>
+            <a:r>
+              <a:rPr lang="fr-FR" dirty="0" smtClean="0"/>
+              <a:t>Total : 1 journée</a:t>
+            </a:r>
             <a:endParaRPr lang="fr-FR" dirty="0"/>
           </a:p>
         </p:txBody>
@@ -3356,13 +3785,20 @@
   <p:clrMapOvr>
     <a:masterClrMapping/>
   </p:clrMapOvr>
+  <p:timing>
+    <p:tnLst>
+      <p:par>
+        <p:cTn id="1" dur="indefinite" restart="never" nodeType="tmRoot"/>
+      </p:par>
+    </p:tnLst>
+  </p:timing>
 </p:sld>
 </file>
 
 <file path=ppt/theme/theme1.xml><?xml version="1.0" encoding="utf-8"?>
-<a:theme xmlns:a="http://schemas.openxmlformats.org/drawingml/2006/main" name="Thème Office">
+<a:theme xmlns:a="http://schemas.openxmlformats.org/drawingml/2006/main" name="Exécutif">
   <a:themeElements>
-    <a:clrScheme name="Office">
+    <a:clrScheme name="Exécutif">
       <a:dk1>
         <a:sysClr val="windowText" lastClr="000000"/>
       </a:dk1>
@@ -3370,48 +3806,83 @@
         <a:sysClr val="window" lastClr="FFFFFF"/>
       </a:lt1>
       <a:dk2>
-        <a:srgbClr val="1F497D"/>
+        <a:srgbClr val="2F5897"/>
       </a:dk2>
       <a:lt2>
-        <a:srgbClr val="EEECE1"/>
+        <a:srgbClr val="E4E9EF"/>
       </a:lt2>
       <a:accent1>
-        <a:srgbClr val="4F81BD"/>
+        <a:srgbClr val="6076B4"/>
       </a:accent1>
       <a:accent2>
-        <a:srgbClr val="C0504D"/>
+        <a:srgbClr val="9C5252"/>
       </a:accent2>
       <a:accent3>
-        <a:srgbClr val="9BBB59"/>
+        <a:srgbClr val="E68422"/>
       </a:accent3>
       <a:accent4>
-        <a:srgbClr val="8064A2"/>
+        <a:srgbClr val="846648"/>
       </a:accent4>
       <a:accent5>
-        <a:srgbClr val="4BACC6"/>
+        <a:srgbClr val="63891F"/>
       </a:accent5>
       <a:accent6>
-        <a:srgbClr val="F79646"/>
+        <a:srgbClr val="758085"/>
       </a:accent6>
       <a:hlink>
-        <a:srgbClr val="0000FF"/>
+        <a:srgbClr val="3399FF"/>
       </a:hlink>
       <a:folHlink>
-        <a:srgbClr val="800080"/>
+        <a:srgbClr val="B2B2B2"/>
       </a:folHlink>
     </a:clrScheme>
-    <a:fontScheme name="Office">
+    <a:fontScheme name="Exécutif">
       <a:majorFont>
-        <a:latin typeface="Calibri"/>
+        <a:latin typeface="Century Gothic"/>
         <a:ea typeface=""/>
         <a:cs typeface=""/>
-        <a:font script="Jpan" typeface="ＭＳ Ｐゴシック"/>
+        <a:font script="Jpan" typeface="HGｺﾞｼｯｸM"/>
+        <a:font script="Hang" typeface="HY중고딕"/>
+        <a:font script="Hans" typeface="幼圆"/>
+        <a:font script="Hant" typeface="微軟正黑體"/>
+        <a:font script="Arab" typeface="Tahoma"/>
+        <a:font script="Hebr" typeface="Gisha"/>
+        <a:font script="Thai" typeface="DilleniaUPC"/>
+        <a:font script="Ethi" typeface="Nyala"/>
+        <a:font script="Beng" typeface="Vrinda"/>
+        <a:font script="Gujr" typeface="Shruti"/>
+        <a:font script="Khmr" typeface="DaunPenh"/>
+        <a:font script="Knda" typeface="Tunga"/>
+        <a:font script="Guru" typeface="Raavi"/>
+        <a:font script="Cans" typeface="Euphemia"/>
+        <a:font script="Cher" typeface="Plantagenet Cherokee"/>
+        <a:font script="Yiii" typeface="Microsoft Yi Baiti"/>
+        <a:font script="Tibt" typeface="Microsoft Himalaya"/>
+        <a:font script="Thaa" typeface="MV Boli"/>
+        <a:font script="Deva" typeface="Mangal"/>
+        <a:font script="Telu" typeface="Gautami"/>
+        <a:font script="Taml" typeface="Latha"/>
+        <a:font script="Syrc" typeface="Estrangelo Edessa"/>
+        <a:font script="Orya" typeface="Kalinga"/>
+        <a:font script="Mlym" typeface="Kartika"/>
+        <a:font script="Laoo" typeface="DokChampa"/>
+        <a:font script="Sinh" typeface="Iskoola Pota"/>
+        <a:font script="Mong" typeface="Mongolian Baiti"/>
+        <a:font script="Viet" typeface="Tahoma"/>
+        <a:font script="Uigh" typeface="Microsoft Uighur"/>
+        <a:font script="Geor" typeface="Sylfaen"/>
+      </a:majorFont>
+      <a:minorFont>
+        <a:latin typeface="Palatino Linotype"/>
+        <a:ea typeface=""/>
+        <a:cs typeface=""/>
+        <a:font script="Jpan" typeface="HGS明朝E"/>
         <a:font script="Hang" typeface="맑은 고딕"/>
         <a:font script="Hans" typeface="宋体"/>
         <a:font script="Hant" typeface="新細明體"/>
         <a:font script="Arab" typeface="Times New Roman"/>
         <a:font script="Hebr" typeface="Times New Roman"/>
-        <a:font script="Thai" typeface="Angsana New"/>
+        <a:font script="Thai" typeface="Browallia New"/>
         <a:font script="Ethi" typeface="Nyala"/>
         <a:font script="Beng" typeface="Vrinda"/>
         <a:font script="Gujr" typeface="Shruti"/>
@@ -3435,44 +3906,9 @@
         <a:font script="Viet" typeface="Times New Roman"/>
         <a:font script="Uigh" typeface="Microsoft Uighur"/>
         <a:font script="Geor" typeface="Sylfaen"/>
-      </a:majorFont>
-      <a:minorFont>
-        <a:latin typeface="Calibri"/>
-        <a:ea typeface=""/>
-        <a:cs typeface=""/>
-        <a:font script="Jpan" typeface="ＭＳ Ｐゴシック"/>
-        <a:font script="Hang" typeface="맑은 고딕"/>
-        <a:font script="Hans" typeface="宋体"/>
-        <a:font script="Hant" typeface="新細明體"/>
-        <a:font script="Arab" typeface="Arial"/>
-        <a:font script="Hebr" typeface="Arial"/>
-        <a:font script="Thai" typeface="Cordia New"/>
-        <a:font script="Ethi" typeface="Nyala"/>
-        <a:font script="Beng" typeface="Vrinda"/>
-        <a:font script="Gujr" typeface="Shruti"/>
-        <a:font script="Khmr" typeface="DaunPenh"/>
-        <a:font script="Knda" typeface="Tunga"/>
-        <a:font script="Guru" typeface="Raavi"/>
-        <a:font script="Cans" typeface="Euphemia"/>
-        <a:font script="Cher" typeface="Plantagenet Cherokee"/>
-        <a:font script="Yiii" typeface="Microsoft Yi Baiti"/>
-        <a:font script="Tibt" typeface="Microsoft Himalaya"/>
-        <a:font script="Thaa" typeface="MV Boli"/>
-        <a:font script="Deva" typeface="Mangal"/>
-        <a:font script="Telu" typeface="Gautami"/>
-        <a:font script="Taml" typeface="Latha"/>
-        <a:font script="Syrc" typeface="Estrangelo Edessa"/>
-        <a:font script="Orya" typeface="Kalinga"/>
-        <a:font script="Mlym" typeface="Kartika"/>
-        <a:font script="Laoo" typeface="DokChampa"/>
-        <a:font script="Sinh" typeface="Iskoola Pota"/>
-        <a:font script="Mong" typeface="Mongolian Baiti"/>
-        <a:font script="Viet" typeface="Arial"/>
-        <a:font script="Uigh" typeface="Microsoft Uighur"/>
-        <a:font script="Geor" typeface="Sylfaen"/>
       </a:minorFont>
     </a:fontScheme>
-    <a:fmtScheme name="Office">
+    <a:fmtScheme name="Exécutif">
       <a:fillStyleLst>
         <a:solidFill>
           <a:schemeClr val="phClr"/>
@@ -3534,13 +3970,13 @@
           </a:solidFill>
           <a:prstDash val="solid"/>
         </a:ln>
-        <a:ln w="25400" cap="flat" cmpd="sng" algn="ctr">
+        <a:ln w="28575" cap="flat" cmpd="sng" algn="ctr">
           <a:solidFill>
             <a:schemeClr val="phClr"/>
           </a:solidFill>
           <a:prstDash val="solid"/>
         </a:ln>
-        <a:ln w="38100" cap="flat" cmpd="sng" algn="ctr">
+        <a:ln w="50800" cap="flat" cmpd="sng" algn="ctr">
           <a:solidFill>
             <a:schemeClr val="phClr"/>
           </a:solidFill>
@@ -3593,42 +4029,24 @@
         </a:solidFill>
         <a:gradFill rotWithShape="1">
           <a:gsLst>
-            <a:gs pos="0">
+            <a:gs pos="50000">
               <a:schemeClr val="phClr">
-                <a:tint val="40000"/>
-                <a:satMod val="350000"/>
+                <a:tint val="80000"/>
+                <a:satMod val="250000"/>
               </a:schemeClr>
             </a:gs>
-            <a:gs pos="40000">
+            <a:gs pos="76000">
               <a:schemeClr val="phClr">
-                <a:tint val="45000"/>
-                <a:shade val="99000"/>
-                <a:satMod val="350000"/>
+                <a:tint val="90000"/>
+                <a:shade val="90000"/>
+                <a:satMod val="200000"/>
               </a:schemeClr>
             </a:gs>
-            <a:gs pos="100000">
+            <a:gs pos="92000">
               <a:schemeClr val="phClr">
-                <a:shade val="20000"/>
-                <a:satMod val="255000"/>
-              </a:schemeClr>
-            </a:gs>
-          </a:gsLst>
-          <a:path path="circle">
-            <a:fillToRect l="50000" t="-80000" r="50000" b="180000"/>
-          </a:path>
-        </a:gradFill>
-        <a:gradFill rotWithShape="1">
-          <a:gsLst>
-            <a:gs pos="0">
-              <a:schemeClr val="phClr">
-                <a:tint val="80000"/>
-                <a:satMod val="300000"/>
-              </a:schemeClr>
-            </a:gs>
-            <a:gs pos="100000">
-              <a:schemeClr val="phClr">
-                <a:shade val="30000"/>
-                <a:satMod val="200000"/>
+                <a:tint val="90000"/>
+                <a:shade val="70000"/>
+                <a:satMod val="250000"/>
               </a:schemeClr>
             </a:gs>
           </a:gsLst>
@@ -3636,6 +4054,19 @@
             <a:fillToRect l="50000" t="50000" r="50000" b="50000"/>
           </a:path>
         </a:gradFill>
+        <a:blipFill>
+          <a:blip xmlns:r="http://schemas.openxmlformats.org/officeDocument/2006/relationships" r:embed="rId1">
+            <a:duotone>
+              <a:schemeClr val="phClr">
+                <a:tint val="95000"/>
+              </a:schemeClr>
+              <a:schemeClr val="phClr">
+                <a:shade val="90000"/>
+              </a:schemeClr>
+            </a:duotone>
+          </a:blip>
+          <a:tile tx="0" ty="0" sx="100000" sy="100000" flip="none" algn="tl"/>
+        </a:blipFill>
       </a:bgFillStyleLst>
     </a:fmtScheme>
   </a:themeElements>
